--- a/Draft/ASE_2017/ppt.pptx
+++ b/Draft/ASE_2017/ppt.pptx
@@ -5,16 +5,17 @@
     <p:sldMasterId id="2147483648" r:id="rId1"/>
   </p:sldMasterIdLst>
   <p:notesMasterIdLst>
-    <p:notesMasterId r:id="rId6"/>
+    <p:notesMasterId r:id="rId7"/>
   </p:notesMasterIdLst>
   <p:handoutMasterIdLst>
-    <p:handoutMasterId r:id="rId7"/>
+    <p:handoutMasterId r:id="rId8"/>
   </p:handoutMasterIdLst>
   <p:sldIdLst>
     <p:sldId id="256" r:id="rId2"/>
     <p:sldId id="257" r:id="rId3"/>
     <p:sldId id="258" r:id="rId4"/>
-    <p:sldId id="259" r:id="rId5"/>
+    <p:sldId id="260" r:id="rId5"/>
+    <p:sldId id="259" r:id="rId6"/>
   </p:sldIdLst>
   <p:sldSz cx="12192000" cy="6858000"/>
   <p:notesSz cx="7315200" cy="9601200"/>
@@ -121,6 +122,10 @@
 </p:presentation>
 </file>
 
+<file path=ppt/revisionInfo.xml><?xml version="1.0" encoding="utf-8"?>
+<p1510:revInfo xmlns:a="http://schemas.openxmlformats.org/drawingml/2006/main" xmlns:r="http://schemas.openxmlformats.org/officeDocument/2006/relationships" xmlns:p1510="http://schemas.microsoft.com/office/powerpoint/2015/10/main"/>
+</file>
+
 <file path=ppt/handoutMasters/handoutMaster1.xml><?xml version="1.0" encoding="utf-8"?>
 <p:handoutMaster xmlns:a="http://schemas.openxmlformats.org/drawingml/2006/main" xmlns:r="http://schemas.openxmlformats.org/officeDocument/2006/relationships" xmlns:p="http://schemas.openxmlformats.org/presentationml/2006/main">
   <p:cSld>
@@ -203,7 +208,7 @@
           <a:p>
             <a:fld id="{2D7565A8-936F-42BE-ACC1-4C64FA3ACC96}" type="datetimeFigureOut">
               <a:rPr lang="en-US" smtClean="0"/>
-              <a:t>4/26/2017</a:t>
+              <a:t>5/12/2017</a:t>
             </a:fld>
             <a:endParaRPr lang="en-US"/>
           </a:p>
@@ -368,7 +373,7 @@
           <a:p>
             <a:fld id="{BB6BF81E-C8E4-434F-A505-EAA2156852D3}" type="datetimeFigureOut">
               <a:rPr lang="en-US" smtClean="0"/>
-              <a:t>4/26/2017</a:t>
+              <a:t>5/12/2017</a:t>
             </a:fld>
             <a:endParaRPr lang="en-US"/>
           </a:p>
@@ -432,38 +437,37 @@
           <a:p>
             <a:pPr lvl="0"/>
             <a:r>
-              <a:rPr lang="en-US" smtClean="0"/>
+              <a:rPr lang="en-US"/>
               <a:t>Edit Master text styles</a:t>
             </a:r>
           </a:p>
           <a:p>
             <a:pPr lvl="1"/>
             <a:r>
-              <a:rPr lang="en-US" smtClean="0"/>
+              <a:rPr lang="en-US"/>
               <a:t>Second level</a:t>
             </a:r>
           </a:p>
           <a:p>
             <a:pPr lvl="2"/>
             <a:r>
-              <a:rPr lang="en-US" smtClean="0"/>
+              <a:rPr lang="en-US"/>
               <a:t>Third level</a:t>
             </a:r>
           </a:p>
           <a:p>
             <a:pPr lvl="3"/>
             <a:r>
-              <a:rPr lang="en-US" smtClean="0"/>
+              <a:rPr lang="en-US"/>
               <a:t>Fourth level</a:t>
             </a:r>
           </a:p>
           <a:p>
             <a:pPr lvl="4"/>
             <a:r>
-              <a:rPr lang="en-US" smtClean="0"/>
+              <a:rPr lang="en-US"/>
               <a:t>Fifth level</a:t>
             </a:r>
-            <a:endParaRPr lang="en-US"/>
           </a:p>
         </p:txBody>
       </p:sp>
@@ -762,10 +766,9 @@
           </a:lstStyle>
           <a:p>
             <a:r>
-              <a:rPr lang="en-US" smtClean="0"/>
+              <a:rPr lang="en-US"/>
               <a:t>Click to edit Master title style</a:t>
             </a:r>
-            <a:endParaRPr lang="en-US"/>
           </a:p>
         </p:txBody>
       </p:sp>
@@ -827,10 +830,9 @@
           </a:lstStyle>
           <a:p>
             <a:r>
-              <a:rPr lang="en-US" smtClean="0"/>
+              <a:rPr lang="en-US"/>
               <a:t>Click to edit Master subtitle style</a:t>
             </a:r>
-            <a:endParaRPr lang="en-US"/>
           </a:p>
         </p:txBody>
       </p:sp>
@@ -851,7 +853,7 @@
           <a:p>
             <a:fld id="{B908E743-2D28-4184-B719-B22FD410EAC5}" type="datetimeFigureOut">
               <a:rPr lang="en-US" smtClean="0"/>
-              <a:t>4/25/2017</a:t>
+              <a:t>5/12/2017</a:t>
             </a:fld>
             <a:endParaRPr lang="en-US"/>
           </a:p>
@@ -945,10 +947,9 @@
           <a:lstStyle/>
           <a:p>
             <a:r>
-              <a:rPr lang="en-US" smtClean="0"/>
+              <a:rPr lang="en-US"/>
               <a:t>Click to edit Master title style</a:t>
             </a:r>
-            <a:endParaRPr lang="en-US"/>
           </a:p>
         </p:txBody>
       </p:sp>
@@ -969,38 +970,37 @@
           <a:p>
             <a:pPr lvl="0"/>
             <a:r>
-              <a:rPr lang="en-US" smtClean="0"/>
+              <a:rPr lang="en-US"/>
               <a:t>Edit Master text styles</a:t>
             </a:r>
           </a:p>
           <a:p>
             <a:pPr lvl="1"/>
             <a:r>
-              <a:rPr lang="en-US" smtClean="0"/>
+              <a:rPr lang="en-US"/>
               <a:t>Second level</a:t>
             </a:r>
           </a:p>
           <a:p>
             <a:pPr lvl="2"/>
             <a:r>
-              <a:rPr lang="en-US" smtClean="0"/>
+              <a:rPr lang="en-US"/>
               <a:t>Third level</a:t>
             </a:r>
           </a:p>
           <a:p>
             <a:pPr lvl="3"/>
             <a:r>
-              <a:rPr lang="en-US" smtClean="0"/>
+              <a:rPr lang="en-US"/>
               <a:t>Fourth level</a:t>
             </a:r>
           </a:p>
           <a:p>
             <a:pPr lvl="4"/>
             <a:r>
-              <a:rPr lang="en-US" smtClean="0"/>
+              <a:rPr lang="en-US"/>
               <a:t>Fifth level</a:t>
             </a:r>
-            <a:endParaRPr lang="en-US"/>
           </a:p>
         </p:txBody>
       </p:sp>
@@ -1021,7 +1021,7 @@
           <a:p>
             <a:fld id="{B908E743-2D28-4184-B719-B22FD410EAC5}" type="datetimeFigureOut">
               <a:rPr lang="en-US" smtClean="0"/>
-              <a:t>4/25/2017</a:t>
+              <a:t>5/12/2017</a:t>
             </a:fld>
             <a:endParaRPr lang="en-US"/>
           </a:p>
@@ -1120,10 +1120,9 @@
           <a:lstStyle/>
           <a:p>
             <a:r>
-              <a:rPr lang="en-US" smtClean="0"/>
+              <a:rPr lang="en-US"/>
               <a:t>Click to edit Master title style</a:t>
             </a:r>
-            <a:endParaRPr lang="en-US"/>
           </a:p>
         </p:txBody>
       </p:sp>
@@ -1149,38 +1148,37 @@
           <a:p>
             <a:pPr lvl="0"/>
             <a:r>
-              <a:rPr lang="en-US" smtClean="0"/>
+              <a:rPr lang="en-US"/>
               <a:t>Edit Master text styles</a:t>
             </a:r>
           </a:p>
           <a:p>
             <a:pPr lvl="1"/>
             <a:r>
-              <a:rPr lang="en-US" smtClean="0"/>
+              <a:rPr lang="en-US"/>
               <a:t>Second level</a:t>
             </a:r>
           </a:p>
           <a:p>
             <a:pPr lvl="2"/>
             <a:r>
-              <a:rPr lang="en-US" smtClean="0"/>
+              <a:rPr lang="en-US"/>
               <a:t>Third level</a:t>
             </a:r>
           </a:p>
           <a:p>
             <a:pPr lvl="3"/>
             <a:r>
-              <a:rPr lang="en-US" smtClean="0"/>
+              <a:rPr lang="en-US"/>
               <a:t>Fourth level</a:t>
             </a:r>
           </a:p>
           <a:p>
             <a:pPr lvl="4"/>
             <a:r>
-              <a:rPr lang="en-US" smtClean="0"/>
+              <a:rPr lang="en-US"/>
               <a:t>Fifth level</a:t>
             </a:r>
-            <a:endParaRPr lang="en-US"/>
           </a:p>
         </p:txBody>
       </p:sp>
@@ -1201,7 +1199,7 @@
           <a:p>
             <a:fld id="{B908E743-2D28-4184-B719-B22FD410EAC5}" type="datetimeFigureOut">
               <a:rPr lang="en-US" smtClean="0"/>
-              <a:t>4/25/2017</a:t>
+              <a:t>5/12/2017</a:t>
             </a:fld>
             <a:endParaRPr lang="en-US"/>
           </a:p>
@@ -1295,10 +1293,9 @@
           <a:lstStyle/>
           <a:p>
             <a:r>
-              <a:rPr lang="en-US" smtClean="0"/>
+              <a:rPr lang="en-US"/>
               <a:t>Click to edit Master title style</a:t>
             </a:r>
-            <a:endParaRPr lang="en-US"/>
           </a:p>
         </p:txBody>
       </p:sp>
@@ -1319,38 +1316,37 @@
           <a:p>
             <a:pPr lvl="0"/>
             <a:r>
-              <a:rPr lang="en-US" smtClean="0"/>
+              <a:rPr lang="en-US"/>
               <a:t>Edit Master text styles</a:t>
             </a:r>
           </a:p>
           <a:p>
             <a:pPr lvl="1"/>
             <a:r>
-              <a:rPr lang="en-US" smtClean="0"/>
+              <a:rPr lang="en-US"/>
               <a:t>Second level</a:t>
             </a:r>
           </a:p>
           <a:p>
             <a:pPr lvl="2"/>
             <a:r>
-              <a:rPr lang="en-US" smtClean="0"/>
+              <a:rPr lang="en-US"/>
               <a:t>Third level</a:t>
             </a:r>
           </a:p>
           <a:p>
             <a:pPr lvl="3"/>
             <a:r>
-              <a:rPr lang="en-US" smtClean="0"/>
+              <a:rPr lang="en-US"/>
               <a:t>Fourth level</a:t>
             </a:r>
           </a:p>
           <a:p>
             <a:pPr lvl="4"/>
             <a:r>
-              <a:rPr lang="en-US" smtClean="0"/>
+              <a:rPr lang="en-US"/>
               <a:t>Fifth level</a:t>
             </a:r>
-            <a:endParaRPr lang="en-US"/>
           </a:p>
         </p:txBody>
       </p:sp>
@@ -1371,7 +1367,7 @@
           <a:p>
             <a:fld id="{B908E743-2D28-4184-B719-B22FD410EAC5}" type="datetimeFigureOut">
               <a:rPr lang="en-US" smtClean="0"/>
-              <a:t>4/25/2017</a:t>
+              <a:t>5/12/2017</a:t>
             </a:fld>
             <a:endParaRPr lang="en-US"/>
           </a:p>
@@ -1474,10 +1470,9 @@
           </a:lstStyle>
           <a:p>
             <a:r>
-              <a:rPr lang="en-US" smtClean="0"/>
+              <a:rPr lang="en-US"/>
               <a:t>Click to edit Master title style</a:t>
             </a:r>
-            <a:endParaRPr lang="en-US"/>
           </a:p>
         </p:txBody>
       </p:sp>
@@ -1594,7 +1589,7 @@
           <a:p>
             <a:pPr lvl="0"/>
             <a:r>
-              <a:rPr lang="en-US" smtClean="0"/>
+              <a:rPr lang="en-US"/>
               <a:t>Edit Master text styles</a:t>
             </a:r>
           </a:p>
@@ -1617,7 +1612,7 @@
           <a:p>
             <a:fld id="{B908E743-2D28-4184-B719-B22FD410EAC5}" type="datetimeFigureOut">
               <a:rPr lang="en-US" smtClean="0"/>
-              <a:t>4/25/2017</a:t>
+              <a:t>5/12/2017</a:t>
             </a:fld>
             <a:endParaRPr lang="en-US"/>
           </a:p>
@@ -1711,10 +1706,9 @@
           <a:lstStyle/>
           <a:p>
             <a:r>
-              <a:rPr lang="en-US" smtClean="0"/>
+              <a:rPr lang="en-US"/>
               <a:t>Click to edit Master title style</a:t>
             </a:r>
-            <a:endParaRPr lang="en-US"/>
           </a:p>
         </p:txBody>
       </p:sp>
@@ -1740,38 +1734,37 @@
           <a:p>
             <a:pPr lvl="0"/>
             <a:r>
-              <a:rPr lang="en-US" smtClean="0"/>
+              <a:rPr lang="en-US"/>
               <a:t>Edit Master text styles</a:t>
             </a:r>
           </a:p>
           <a:p>
             <a:pPr lvl="1"/>
             <a:r>
-              <a:rPr lang="en-US" smtClean="0"/>
+              <a:rPr lang="en-US"/>
               <a:t>Second level</a:t>
             </a:r>
           </a:p>
           <a:p>
             <a:pPr lvl="2"/>
             <a:r>
-              <a:rPr lang="en-US" smtClean="0"/>
+              <a:rPr lang="en-US"/>
               <a:t>Third level</a:t>
             </a:r>
           </a:p>
           <a:p>
             <a:pPr lvl="3"/>
             <a:r>
-              <a:rPr lang="en-US" smtClean="0"/>
+              <a:rPr lang="en-US"/>
               <a:t>Fourth level</a:t>
             </a:r>
           </a:p>
           <a:p>
             <a:pPr lvl="4"/>
             <a:r>
-              <a:rPr lang="en-US" smtClean="0"/>
+              <a:rPr lang="en-US"/>
               <a:t>Fifth level</a:t>
             </a:r>
-            <a:endParaRPr lang="en-US"/>
           </a:p>
         </p:txBody>
       </p:sp>
@@ -1797,38 +1790,37 @@
           <a:p>
             <a:pPr lvl="0"/>
             <a:r>
-              <a:rPr lang="en-US" smtClean="0"/>
+              <a:rPr lang="en-US"/>
               <a:t>Edit Master text styles</a:t>
             </a:r>
           </a:p>
           <a:p>
             <a:pPr lvl="1"/>
             <a:r>
-              <a:rPr lang="en-US" smtClean="0"/>
+              <a:rPr lang="en-US"/>
               <a:t>Second level</a:t>
             </a:r>
           </a:p>
           <a:p>
             <a:pPr lvl="2"/>
             <a:r>
-              <a:rPr lang="en-US" smtClean="0"/>
+              <a:rPr lang="en-US"/>
               <a:t>Third level</a:t>
             </a:r>
           </a:p>
           <a:p>
             <a:pPr lvl="3"/>
             <a:r>
-              <a:rPr lang="en-US" smtClean="0"/>
+              <a:rPr lang="en-US"/>
               <a:t>Fourth level</a:t>
             </a:r>
           </a:p>
           <a:p>
             <a:pPr lvl="4"/>
             <a:r>
-              <a:rPr lang="en-US" smtClean="0"/>
+              <a:rPr lang="en-US"/>
               <a:t>Fifth level</a:t>
             </a:r>
-            <a:endParaRPr lang="en-US"/>
           </a:p>
         </p:txBody>
       </p:sp>
@@ -1849,7 +1841,7 @@
           <a:p>
             <a:fld id="{B908E743-2D28-4184-B719-B22FD410EAC5}" type="datetimeFigureOut">
               <a:rPr lang="en-US" smtClean="0"/>
-              <a:t>4/25/2017</a:t>
+              <a:t>5/12/2017</a:t>
             </a:fld>
             <a:endParaRPr lang="en-US"/>
           </a:p>
@@ -1948,10 +1940,9 @@
           <a:lstStyle/>
           <a:p>
             <a:r>
-              <a:rPr lang="en-US" smtClean="0"/>
+              <a:rPr lang="en-US"/>
               <a:t>Click to edit Master title style</a:t>
             </a:r>
-            <a:endParaRPr lang="en-US"/>
           </a:p>
         </p:txBody>
       </p:sp>
@@ -2014,7 +2005,7 @@
           <a:p>
             <a:pPr lvl="0"/>
             <a:r>
-              <a:rPr lang="en-US" smtClean="0"/>
+              <a:rPr lang="en-US"/>
               <a:t>Edit Master text styles</a:t>
             </a:r>
           </a:p>
@@ -2042,38 +2033,37 @@
           <a:p>
             <a:pPr lvl="0"/>
             <a:r>
-              <a:rPr lang="en-US" smtClean="0"/>
+              <a:rPr lang="en-US"/>
               <a:t>Edit Master text styles</a:t>
             </a:r>
           </a:p>
           <a:p>
             <a:pPr lvl="1"/>
             <a:r>
-              <a:rPr lang="en-US" smtClean="0"/>
+              <a:rPr lang="en-US"/>
               <a:t>Second level</a:t>
             </a:r>
           </a:p>
           <a:p>
             <a:pPr lvl="2"/>
             <a:r>
-              <a:rPr lang="en-US" smtClean="0"/>
+              <a:rPr lang="en-US"/>
               <a:t>Third level</a:t>
             </a:r>
           </a:p>
           <a:p>
             <a:pPr lvl="3"/>
             <a:r>
-              <a:rPr lang="en-US" smtClean="0"/>
+              <a:rPr lang="en-US"/>
               <a:t>Fourth level</a:t>
             </a:r>
           </a:p>
           <a:p>
             <a:pPr lvl="4"/>
             <a:r>
-              <a:rPr lang="en-US" smtClean="0"/>
+              <a:rPr lang="en-US"/>
               <a:t>Fifth level</a:t>
             </a:r>
-            <a:endParaRPr lang="en-US"/>
           </a:p>
         </p:txBody>
       </p:sp>
@@ -2136,7 +2126,7 @@
           <a:p>
             <a:pPr lvl="0"/>
             <a:r>
-              <a:rPr lang="en-US" smtClean="0"/>
+              <a:rPr lang="en-US"/>
               <a:t>Edit Master text styles</a:t>
             </a:r>
           </a:p>
@@ -2164,38 +2154,37 @@
           <a:p>
             <a:pPr lvl="0"/>
             <a:r>
-              <a:rPr lang="en-US" smtClean="0"/>
+              <a:rPr lang="en-US"/>
               <a:t>Edit Master text styles</a:t>
             </a:r>
           </a:p>
           <a:p>
             <a:pPr lvl="1"/>
             <a:r>
-              <a:rPr lang="en-US" smtClean="0"/>
+              <a:rPr lang="en-US"/>
               <a:t>Second level</a:t>
             </a:r>
           </a:p>
           <a:p>
             <a:pPr lvl="2"/>
             <a:r>
-              <a:rPr lang="en-US" smtClean="0"/>
+              <a:rPr lang="en-US"/>
               <a:t>Third level</a:t>
             </a:r>
           </a:p>
           <a:p>
             <a:pPr lvl="3"/>
             <a:r>
-              <a:rPr lang="en-US" smtClean="0"/>
+              <a:rPr lang="en-US"/>
               <a:t>Fourth level</a:t>
             </a:r>
           </a:p>
           <a:p>
             <a:pPr lvl="4"/>
             <a:r>
-              <a:rPr lang="en-US" smtClean="0"/>
+              <a:rPr lang="en-US"/>
               <a:t>Fifth level</a:t>
             </a:r>
-            <a:endParaRPr lang="en-US"/>
           </a:p>
         </p:txBody>
       </p:sp>
@@ -2216,7 +2205,7 @@
           <a:p>
             <a:fld id="{B908E743-2D28-4184-B719-B22FD410EAC5}" type="datetimeFigureOut">
               <a:rPr lang="en-US" smtClean="0"/>
-              <a:t>4/25/2017</a:t>
+              <a:t>5/12/2017</a:t>
             </a:fld>
             <a:endParaRPr lang="en-US"/>
           </a:p>
@@ -2310,10 +2299,9 @@
           <a:lstStyle/>
           <a:p>
             <a:r>
-              <a:rPr lang="en-US" smtClean="0"/>
+              <a:rPr lang="en-US"/>
               <a:t>Click to edit Master title style</a:t>
             </a:r>
-            <a:endParaRPr lang="en-US"/>
           </a:p>
         </p:txBody>
       </p:sp>
@@ -2334,7 +2322,7 @@
           <a:p>
             <a:fld id="{B908E743-2D28-4184-B719-B22FD410EAC5}" type="datetimeFigureOut">
               <a:rPr lang="en-US" smtClean="0"/>
-              <a:t>4/25/2017</a:t>
+              <a:t>5/12/2017</a:t>
             </a:fld>
             <a:endParaRPr lang="en-US"/>
           </a:p>
@@ -2429,7 +2417,7 @@
           <a:p>
             <a:fld id="{B908E743-2D28-4184-B719-B22FD410EAC5}" type="datetimeFigureOut">
               <a:rPr lang="en-US" smtClean="0"/>
-              <a:t>4/25/2017</a:t>
+              <a:t>5/12/2017</a:t>
             </a:fld>
             <a:endParaRPr lang="en-US"/>
           </a:p>
@@ -2532,10 +2520,9 @@
           </a:lstStyle>
           <a:p>
             <a:r>
-              <a:rPr lang="en-US" smtClean="0"/>
+              <a:rPr lang="en-US"/>
               <a:t>Click to edit Master title style</a:t>
             </a:r>
-            <a:endParaRPr lang="en-US"/>
           </a:p>
         </p:txBody>
       </p:sp>
@@ -2589,38 +2576,37 @@
           <a:p>
             <a:pPr lvl="0"/>
             <a:r>
-              <a:rPr lang="en-US" smtClean="0"/>
+              <a:rPr lang="en-US"/>
               <a:t>Edit Master text styles</a:t>
             </a:r>
           </a:p>
           <a:p>
             <a:pPr lvl="1"/>
             <a:r>
-              <a:rPr lang="en-US" smtClean="0"/>
+              <a:rPr lang="en-US"/>
               <a:t>Second level</a:t>
             </a:r>
           </a:p>
           <a:p>
             <a:pPr lvl="2"/>
             <a:r>
-              <a:rPr lang="en-US" smtClean="0"/>
+              <a:rPr lang="en-US"/>
               <a:t>Third level</a:t>
             </a:r>
           </a:p>
           <a:p>
             <a:pPr lvl="3"/>
             <a:r>
-              <a:rPr lang="en-US" smtClean="0"/>
+              <a:rPr lang="en-US"/>
               <a:t>Fourth level</a:t>
             </a:r>
           </a:p>
           <a:p>
             <a:pPr lvl="4"/>
             <a:r>
-              <a:rPr lang="en-US" smtClean="0"/>
+              <a:rPr lang="en-US"/>
               <a:t>Fifth level</a:t>
             </a:r>
-            <a:endParaRPr lang="en-US"/>
           </a:p>
         </p:txBody>
       </p:sp>
@@ -2683,7 +2669,7 @@
           <a:p>
             <a:pPr lvl="0"/>
             <a:r>
-              <a:rPr lang="en-US" smtClean="0"/>
+              <a:rPr lang="en-US"/>
               <a:t>Edit Master text styles</a:t>
             </a:r>
           </a:p>
@@ -2706,7 +2692,7 @@
           <a:p>
             <a:fld id="{B908E743-2D28-4184-B719-B22FD410EAC5}" type="datetimeFigureOut">
               <a:rPr lang="en-US" smtClean="0"/>
-              <a:t>4/25/2017</a:t>
+              <a:t>5/12/2017</a:t>
             </a:fld>
             <a:endParaRPr lang="en-US"/>
           </a:p>
@@ -2809,10 +2795,9 @@
           </a:lstStyle>
           <a:p>
             <a:r>
-              <a:rPr lang="en-US" smtClean="0"/>
+              <a:rPr lang="en-US"/>
               <a:t>Click to edit Master title style</a:t>
             </a:r>
-            <a:endParaRPr lang="en-US"/>
           </a:p>
         </p:txBody>
       </p:sp>
@@ -2936,7 +2921,7 @@
           <a:p>
             <a:pPr lvl="0"/>
             <a:r>
-              <a:rPr lang="en-US" smtClean="0"/>
+              <a:rPr lang="en-US"/>
               <a:t>Edit Master text styles</a:t>
             </a:r>
           </a:p>
@@ -2959,7 +2944,7 @@
           <a:p>
             <a:fld id="{B908E743-2D28-4184-B719-B22FD410EAC5}" type="datetimeFigureOut">
               <a:rPr lang="en-US" smtClean="0"/>
-              <a:t>4/25/2017</a:t>
+              <a:t>5/12/2017</a:t>
             </a:fld>
             <a:endParaRPr lang="en-US"/>
           </a:p>
@@ -3068,10 +3053,9 @@
           <a:lstStyle/>
           <a:p>
             <a:r>
-              <a:rPr lang="en-US" smtClean="0"/>
+              <a:rPr lang="en-US"/>
               <a:t>Click to edit Master title style</a:t>
             </a:r>
-            <a:endParaRPr lang="en-US"/>
           </a:p>
         </p:txBody>
       </p:sp>
@@ -3102,38 +3086,37 @@
           <a:p>
             <a:pPr lvl="0"/>
             <a:r>
-              <a:rPr lang="en-US" smtClean="0"/>
+              <a:rPr lang="en-US"/>
               <a:t>Edit Master text styles</a:t>
             </a:r>
           </a:p>
           <a:p>
             <a:pPr lvl="1"/>
             <a:r>
-              <a:rPr lang="en-US" smtClean="0"/>
+              <a:rPr lang="en-US"/>
               <a:t>Second level</a:t>
             </a:r>
           </a:p>
           <a:p>
             <a:pPr lvl="2"/>
             <a:r>
-              <a:rPr lang="en-US" smtClean="0"/>
+              <a:rPr lang="en-US"/>
               <a:t>Third level</a:t>
             </a:r>
           </a:p>
           <a:p>
             <a:pPr lvl="3"/>
             <a:r>
-              <a:rPr lang="en-US" smtClean="0"/>
+              <a:rPr lang="en-US"/>
               <a:t>Fourth level</a:t>
             </a:r>
           </a:p>
           <a:p>
             <a:pPr lvl="4"/>
             <a:r>
-              <a:rPr lang="en-US" smtClean="0"/>
+              <a:rPr lang="en-US"/>
               <a:t>Fifth level</a:t>
             </a:r>
-            <a:endParaRPr lang="en-US"/>
           </a:p>
         </p:txBody>
       </p:sp>
@@ -3172,7 +3155,7 @@
           <a:p>
             <a:fld id="{B908E743-2D28-4184-B719-B22FD410EAC5}" type="datetimeFigureOut">
               <a:rPr lang="en-US" smtClean="0"/>
-              <a:t>4/25/2017</a:t>
+              <a:t>5/12/2017</a:t>
             </a:fld>
             <a:endParaRPr lang="en-US"/>
           </a:p>
@@ -3641,16 +3624,12 @@
           <a:lstStyle/>
           <a:p>
             <a:r>
-              <a:rPr lang="en-US" b="1" dirty="0" smtClean="0">
+              <a:rPr lang="en-US" b="1" dirty="0">
                 <a:latin typeface="Times New Roman" panose="02020603050405020304" pitchFamily="18" charset="0"/>
                 <a:cs typeface="Times New Roman" panose="02020603050405020304" pitchFamily="18" charset="0"/>
               </a:rPr>
               <a:t>Software History</a:t>
             </a:r>
-            <a:endParaRPr lang="en-US" b="1" dirty="0">
-              <a:latin typeface="Times New Roman" panose="02020603050405020304" pitchFamily="18" charset="0"/>
-              <a:cs typeface="Times New Roman" panose="02020603050405020304" pitchFamily="18" charset="0"/>
-            </a:endParaRPr>
           </a:p>
         </p:txBody>
       </p:sp>
@@ -3922,16 +3901,12 @@
           <a:lstStyle/>
           <a:p>
             <a:r>
-              <a:rPr lang="en-US" sz="1400" b="1" dirty="0" smtClean="0">
+              <a:rPr lang="en-US" sz="1400" b="1" dirty="0">
                 <a:latin typeface="Times New Roman" panose="02020603050405020304" pitchFamily="18" charset="0"/>
                 <a:cs typeface="Times New Roman" panose="02020603050405020304" pitchFamily="18" charset="0"/>
               </a:rPr>
               <a:t>Extracting features </a:t>
             </a:r>
-            <a:endParaRPr lang="en-US" sz="1400" b="1" dirty="0">
-              <a:latin typeface="Times New Roman" panose="02020603050405020304" pitchFamily="18" charset="0"/>
-              <a:cs typeface="Times New Roman" panose="02020603050405020304" pitchFamily="18" charset="0"/>
-            </a:endParaRPr>
           </a:p>
         </p:txBody>
       </p:sp>
@@ -3958,16 +3933,12 @@
           <a:lstStyle/>
           <a:p>
             <a:r>
-              <a:rPr lang="en-US" sz="1400" b="1" dirty="0" smtClean="0">
+              <a:rPr lang="en-US" sz="1400" b="1" dirty="0">
                 <a:latin typeface="Times New Roman" panose="02020603050405020304" pitchFamily="18" charset="0"/>
                 <a:cs typeface="Times New Roman" panose="02020603050405020304" pitchFamily="18" charset="0"/>
               </a:rPr>
               <a:t>Labeling data</a:t>
             </a:r>
-            <a:endParaRPr lang="en-US" sz="1400" b="1" dirty="0">
-              <a:latin typeface="Times New Roman" panose="02020603050405020304" pitchFamily="18" charset="0"/>
-              <a:cs typeface="Times New Roman" panose="02020603050405020304" pitchFamily="18" charset="0"/>
-            </a:endParaRPr>
           </a:p>
         </p:txBody>
       </p:sp>
@@ -4066,16 +4037,12 @@
           <a:lstStyle/>
           <a:p>
             <a:r>
-              <a:rPr lang="en-US" sz="1400" b="1" dirty="0" smtClean="0">
+              <a:rPr lang="en-US" sz="1400" b="1" dirty="0">
                 <a:latin typeface="Times New Roman" panose="02020603050405020304" pitchFamily="18" charset="0"/>
                 <a:cs typeface="Times New Roman" panose="02020603050405020304" pitchFamily="18" charset="0"/>
               </a:rPr>
               <a:t>Training </a:t>
             </a:r>
-            <a:endParaRPr lang="en-US" sz="1400" b="1" dirty="0">
-              <a:latin typeface="Times New Roman" panose="02020603050405020304" pitchFamily="18" charset="0"/>
-              <a:cs typeface="Times New Roman" panose="02020603050405020304" pitchFamily="18" charset="0"/>
-            </a:endParaRPr>
           </a:p>
         </p:txBody>
       </p:sp>
@@ -4102,16 +4069,12 @@
           <a:lstStyle/>
           <a:p>
             <a:r>
-              <a:rPr lang="en-US" b="1" dirty="0" smtClean="0">
+              <a:rPr lang="en-US" b="1" dirty="0">
                 <a:latin typeface="Times New Roman" panose="02020603050405020304" pitchFamily="18" charset="0"/>
                 <a:cs typeface="Times New Roman" panose="02020603050405020304" pitchFamily="18" charset="0"/>
               </a:rPr>
               <a:t>Features</a:t>
             </a:r>
-            <a:endParaRPr lang="en-US" b="1" dirty="0">
-              <a:latin typeface="Times New Roman" panose="02020603050405020304" pitchFamily="18" charset="0"/>
-              <a:cs typeface="Times New Roman" panose="02020603050405020304" pitchFamily="18" charset="0"/>
-            </a:endParaRPr>
           </a:p>
         </p:txBody>
       </p:sp>
@@ -4139,16 +4102,12 @@
           <a:p>
             <a:pPr algn="ctr"/>
             <a:r>
-              <a:rPr lang="en-US" b="1" dirty="0" smtClean="0">
+              <a:rPr lang="en-US" b="1" dirty="0">
                 <a:latin typeface="Times New Roman" panose="02020603050405020304" pitchFamily="18" charset="0"/>
                 <a:cs typeface="Times New Roman" panose="02020603050405020304" pitchFamily="18" charset="0"/>
               </a:rPr>
               <a:t>Classification Model</a:t>
             </a:r>
-            <a:endParaRPr lang="en-US" b="1" dirty="0">
-              <a:latin typeface="Times New Roman" panose="02020603050405020304" pitchFamily="18" charset="0"/>
-              <a:cs typeface="Times New Roman" panose="02020603050405020304" pitchFamily="18" charset="0"/>
-            </a:endParaRPr>
           </a:p>
         </p:txBody>
       </p:sp>
@@ -4327,16 +4286,12 @@
           <a:lstStyle/>
           <a:p>
             <a:r>
-              <a:rPr lang="en-US" sz="1400" b="1" dirty="0" smtClean="0">
+              <a:rPr lang="en-US" sz="1400" b="1" dirty="0">
                 <a:latin typeface="Times New Roman" panose="02020603050405020304" pitchFamily="18" charset="0"/>
                 <a:cs typeface="Times New Roman" panose="02020603050405020304" pitchFamily="18" charset="0"/>
               </a:rPr>
               <a:t>Buggy</a:t>
             </a:r>
-            <a:endParaRPr lang="en-US" sz="1400" b="1" dirty="0">
-              <a:latin typeface="Times New Roman" panose="02020603050405020304" pitchFamily="18" charset="0"/>
-              <a:cs typeface="Times New Roman" panose="02020603050405020304" pitchFamily="18" charset="0"/>
-            </a:endParaRPr>
           </a:p>
         </p:txBody>
       </p:sp>
@@ -4363,16 +4318,12 @@
           <a:lstStyle/>
           <a:p>
             <a:r>
-              <a:rPr lang="en-US" sz="1400" b="1" dirty="0" smtClean="0">
+              <a:rPr lang="en-US" sz="1400" b="1" dirty="0">
                 <a:latin typeface="Times New Roman" panose="02020603050405020304" pitchFamily="18" charset="0"/>
                 <a:cs typeface="Times New Roman" panose="02020603050405020304" pitchFamily="18" charset="0"/>
               </a:rPr>
               <a:t>Clean</a:t>
             </a:r>
-            <a:endParaRPr lang="en-US" sz="1400" b="1" dirty="0">
-              <a:latin typeface="Times New Roman" panose="02020603050405020304" pitchFamily="18" charset="0"/>
-              <a:cs typeface="Times New Roman" panose="02020603050405020304" pitchFamily="18" charset="0"/>
-            </a:endParaRPr>
           </a:p>
         </p:txBody>
       </p:sp>
@@ -4399,16 +4350,12 @@
           <a:lstStyle/>
           <a:p>
             <a:r>
-              <a:rPr lang="en-US" sz="1400" b="1" dirty="0" smtClean="0">
+              <a:rPr lang="en-US" sz="1400" b="1" dirty="0">
                 <a:latin typeface="Times New Roman" panose="02020603050405020304" pitchFamily="18" charset="0"/>
                 <a:cs typeface="Times New Roman" panose="02020603050405020304" pitchFamily="18" charset="0"/>
               </a:rPr>
               <a:t>Prediction</a:t>
             </a:r>
-            <a:endParaRPr lang="en-US" sz="1400" b="1" dirty="0">
-              <a:latin typeface="Times New Roman" panose="02020603050405020304" pitchFamily="18" charset="0"/>
-              <a:cs typeface="Times New Roman" panose="02020603050405020304" pitchFamily="18" charset="0"/>
-            </a:endParaRPr>
           </a:p>
         </p:txBody>
       </p:sp>
@@ -4476,16 +4423,12 @@
           <a:lstStyle/>
           <a:p>
             <a:r>
-              <a:rPr lang="en-US" b="1" dirty="0" smtClean="0">
+              <a:rPr lang="en-US" b="1" dirty="0">
                 <a:latin typeface="Times New Roman" panose="02020603050405020304" pitchFamily="18" charset="0"/>
                 <a:cs typeface="Times New Roman" panose="02020603050405020304" pitchFamily="18" charset="0"/>
               </a:rPr>
               <a:t>New Software</a:t>
             </a:r>
-            <a:endParaRPr lang="en-US" b="1" dirty="0">
-              <a:latin typeface="Times New Roman" panose="02020603050405020304" pitchFamily="18" charset="0"/>
-              <a:cs typeface="Times New Roman" panose="02020603050405020304" pitchFamily="18" charset="0"/>
-            </a:endParaRPr>
           </a:p>
         </p:txBody>
       </p:sp>
@@ -4755,16 +4698,12 @@
           <a:lstStyle/>
           <a:p>
             <a:r>
-              <a:rPr lang="en-US" sz="1400" b="1" dirty="0" smtClean="0">
+              <a:rPr lang="en-US" sz="1400" b="1" dirty="0">
                 <a:latin typeface="Times New Roman" panose="02020603050405020304" pitchFamily="18" charset="0"/>
                 <a:cs typeface="Times New Roman" panose="02020603050405020304" pitchFamily="18" charset="0"/>
               </a:rPr>
               <a:t>Extracting features </a:t>
             </a:r>
-            <a:endParaRPr lang="en-US" sz="1400" b="1" dirty="0">
-              <a:latin typeface="Times New Roman" panose="02020603050405020304" pitchFamily="18" charset="0"/>
-              <a:cs typeface="Times New Roman" panose="02020603050405020304" pitchFamily="18" charset="0"/>
-            </a:endParaRPr>
           </a:p>
         </p:txBody>
       </p:sp>
@@ -4791,16 +4730,12 @@
           <a:lstStyle/>
           <a:p>
             <a:r>
-              <a:rPr lang="en-US" b="1" dirty="0" smtClean="0">
+              <a:rPr lang="en-US" b="1" dirty="0">
                 <a:latin typeface="Times New Roman" panose="02020603050405020304" pitchFamily="18" charset="0"/>
                 <a:cs typeface="Times New Roman" panose="02020603050405020304" pitchFamily="18" charset="0"/>
               </a:rPr>
               <a:t>Features</a:t>
             </a:r>
-            <a:endParaRPr lang="en-US" b="1" dirty="0">
-              <a:latin typeface="Times New Roman" panose="02020603050405020304" pitchFamily="18" charset="0"/>
-              <a:cs typeface="Times New Roman" panose="02020603050405020304" pitchFamily="18" charset="0"/>
-            </a:endParaRPr>
           </a:p>
         </p:txBody>
       </p:sp>
@@ -4946,16 +4881,12 @@
             <a:p>
               <a:pPr algn="ctr"/>
               <a:r>
-                <a:rPr lang="en-US" b="1" dirty="0" smtClean="0">
+                <a:rPr lang="en-US" b="1" dirty="0">
                   <a:latin typeface="Times New Roman" panose="02020603050405020304" pitchFamily="18" charset="0"/>
                   <a:cs typeface="Times New Roman" panose="02020603050405020304" pitchFamily="18" charset="0"/>
                 </a:rPr>
                 <a:t>Source Files</a:t>
               </a:r>
-              <a:endParaRPr lang="en-US" b="1" dirty="0">
-                <a:latin typeface="Times New Roman" panose="02020603050405020304" pitchFamily="18" charset="0"/>
-                <a:cs typeface="Times New Roman" panose="02020603050405020304" pitchFamily="18" charset="0"/>
-              </a:endParaRPr>
             </a:p>
           </p:txBody>
         </p:sp>
@@ -5015,16 +4946,12 @@
             <a:lstStyle/>
             <a:p>
               <a:r>
-                <a:rPr lang="en-US" sz="1400" b="1" dirty="0" smtClean="0">
+                <a:rPr lang="en-US" sz="1400" b="1" dirty="0">
                   <a:latin typeface="Times New Roman" panose="02020603050405020304" pitchFamily="18" charset="0"/>
                   <a:cs typeface="Times New Roman" panose="02020603050405020304" pitchFamily="18" charset="0"/>
                 </a:rPr>
                 <a:t>Parsing AST</a:t>
               </a:r>
-              <a:endParaRPr lang="en-US" sz="1400" b="1" dirty="0">
-                <a:latin typeface="Times New Roman" panose="02020603050405020304" pitchFamily="18" charset="0"/>
-                <a:cs typeface="Times New Roman" panose="02020603050405020304" pitchFamily="18" charset="0"/>
-              </a:endParaRPr>
             </a:p>
           </p:txBody>
         </p:sp>
@@ -5084,16 +5011,12 @@
             <a:lstStyle/>
             <a:p>
               <a:r>
-                <a:rPr lang="en-US" sz="1400" b="1" dirty="0" smtClean="0">
+                <a:rPr lang="en-US" sz="1400" b="1" dirty="0">
                   <a:latin typeface="Times New Roman" panose="02020603050405020304" pitchFamily="18" charset="0"/>
                   <a:cs typeface="Times New Roman" panose="02020603050405020304" pitchFamily="18" charset="0"/>
                 </a:rPr>
                 <a:t>Generating features</a:t>
               </a:r>
-              <a:endParaRPr lang="en-US" sz="1400" b="1" dirty="0">
-                <a:latin typeface="Times New Roman" panose="02020603050405020304" pitchFamily="18" charset="0"/>
-                <a:cs typeface="Times New Roman" panose="02020603050405020304" pitchFamily="18" charset="0"/>
-              </a:endParaRPr>
             </a:p>
           </p:txBody>
         </p:sp>
@@ -5330,16 +5253,12 @@
             <a:lstStyle/>
             <a:p>
               <a:r>
-                <a:rPr lang="en-US" b="1" dirty="0" smtClean="0">
+                <a:rPr lang="en-US" b="1" dirty="0">
                   <a:latin typeface="Times New Roman" panose="02020603050405020304" pitchFamily="18" charset="0"/>
                   <a:cs typeface="Times New Roman" panose="02020603050405020304" pitchFamily="18" charset="0"/>
                 </a:rPr>
                 <a:t>Features</a:t>
               </a:r>
-              <a:endParaRPr lang="en-US" b="1" dirty="0">
-                <a:latin typeface="Times New Roman" panose="02020603050405020304" pitchFamily="18" charset="0"/>
-                <a:cs typeface="Times New Roman" panose="02020603050405020304" pitchFamily="18" charset="0"/>
-              </a:endParaRPr>
             </a:p>
           </p:txBody>
         </p:sp>
@@ -5648,16 +5567,12 @@
           <a:lstStyle/>
           <a:p>
             <a:r>
-              <a:rPr lang="en-US" b="1" dirty="0" smtClean="0">
+              <a:rPr lang="en-US" b="1" dirty="0">
                 <a:latin typeface="Times New Roman" panose="02020603050405020304" pitchFamily="18" charset="0"/>
                 <a:cs typeface="Times New Roman" panose="02020603050405020304" pitchFamily="18" charset="0"/>
               </a:rPr>
               <a:t>Features</a:t>
             </a:r>
-            <a:endParaRPr lang="en-US" b="1" dirty="0">
-              <a:latin typeface="Times New Roman" panose="02020603050405020304" pitchFamily="18" charset="0"/>
-              <a:cs typeface="Times New Roman" panose="02020603050405020304" pitchFamily="18" charset="0"/>
-            </a:endParaRPr>
           </a:p>
         </p:txBody>
       </p:sp>
@@ -5734,10 +5649,9 @@
           <a:p>
             <a:pPr algn="ctr"/>
             <a:r>
-              <a:rPr lang="en-US" b="1" dirty="0" smtClean="0"/>
+              <a:rPr lang="en-US" b="1" dirty="0"/>
               <a:t>Input Layer</a:t>
             </a:r>
-            <a:endParaRPr lang="en-US" b="1" dirty="0"/>
           </a:p>
         </p:txBody>
       </p:sp>
@@ -5776,10 +5690,9 @@
           <a:p>
             <a:pPr algn="ctr"/>
             <a:r>
-              <a:rPr lang="en-US" b="1" dirty="0" smtClean="0"/>
+              <a:rPr lang="en-US" b="1" dirty="0"/>
               <a:t>Hidden Layer</a:t>
             </a:r>
-            <a:endParaRPr lang="en-US" b="1" dirty="0"/>
           </a:p>
         </p:txBody>
       </p:sp>
@@ -5878,10 +5791,9 @@
           <a:p>
             <a:pPr algn="ctr"/>
             <a:r>
-              <a:rPr lang="en-US" b="1" dirty="0" smtClean="0"/>
+              <a:rPr lang="en-US" b="1" dirty="0"/>
               <a:t>Output</a:t>
             </a:r>
-            <a:endParaRPr lang="en-US" b="1" dirty="0"/>
           </a:p>
         </p:txBody>
       </p:sp>
@@ -5920,10 +5832,9 @@
           <a:p>
             <a:pPr algn="ctr"/>
             <a:r>
-              <a:rPr lang="en-US" b="1" dirty="0" smtClean="0"/>
+              <a:rPr lang="en-US" b="1" dirty="0"/>
               <a:t>Input Layer</a:t>
             </a:r>
-            <a:endParaRPr lang="en-US" b="1" dirty="0"/>
           </a:p>
         </p:txBody>
       </p:sp>
@@ -6071,10 +5982,9 @@
           <a:p>
             <a:pPr algn="ctr"/>
             <a:r>
-              <a:rPr lang="en-US" sz="2800" dirty="0" smtClean="0"/>
+              <a:rPr lang="en-US" sz="2800" dirty="0"/>
               <a:t>………….</a:t>
             </a:r>
-            <a:endParaRPr lang="en-US" sz="2800" dirty="0"/>
           </a:p>
         </p:txBody>
       </p:sp>
@@ -6102,10 +6012,9 @@
           <a:p>
             <a:pPr algn="ctr"/>
             <a:r>
-              <a:rPr lang="en-US" sz="2800" dirty="0" smtClean="0"/>
+              <a:rPr lang="en-US" sz="2800" dirty="0"/>
               <a:t>….</a:t>
             </a:r>
-            <a:endParaRPr lang="en-US" sz="2800" dirty="0"/>
           </a:p>
         </p:txBody>
       </p:sp>
@@ -6133,10 +6042,9 @@
           <a:p>
             <a:pPr algn="ctr"/>
             <a:r>
-              <a:rPr lang="en-US" sz="2800" dirty="0" smtClean="0"/>
+              <a:rPr lang="en-US" sz="2800" dirty="0"/>
               <a:t>….</a:t>
             </a:r>
-            <a:endParaRPr lang="en-US" sz="2800" dirty="0"/>
           </a:p>
         </p:txBody>
       </p:sp>
@@ -6177,7 +6085,9 @@
       <p:cxnSp>
         <p:nvCxnSpPr>
           <p:cNvPr id="50" name="Straight Arrow Connector 49"/>
-          <p:cNvCxnSpPr/>
+          <p:cNvCxnSpPr>
+            <a:cxnSpLocks/>
+          </p:cNvCxnSpPr>
           <p:nvPr/>
         </p:nvCxnSpPr>
         <p:spPr>
@@ -6231,16 +6141,12 @@
           <a:lstStyle/>
           <a:p>
             <a:r>
-              <a:rPr lang="en-US" b="1" dirty="0" smtClean="0">
+              <a:rPr lang="en-US" b="1" dirty="0">
                 <a:latin typeface="Times New Roman" panose="02020603050405020304" pitchFamily="18" charset="0"/>
                 <a:cs typeface="Times New Roman" panose="02020603050405020304" pitchFamily="18" charset="0"/>
               </a:rPr>
               <a:t>Encoder</a:t>
             </a:r>
-            <a:endParaRPr lang="en-US" b="1" dirty="0">
-              <a:latin typeface="Times New Roman" panose="02020603050405020304" pitchFamily="18" charset="0"/>
-              <a:cs typeface="Times New Roman" panose="02020603050405020304" pitchFamily="18" charset="0"/>
-            </a:endParaRPr>
           </a:p>
         </p:txBody>
       </p:sp>
@@ -6267,21 +6173,17 @@
           <a:lstStyle/>
           <a:p>
             <a:r>
-              <a:rPr lang="en-US" b="1" dirty="0" smtClean="0">
+              <a:rPr lang="en-US" b="1" dirty="0">
                 <a:latin typeface="Times New Roman" panose="02020603050405020304" pitchFamily="18" charset="0"/>
                 <a:cs typeface="Times New Roman" panose="02020603050405020304" pitchFamily="18" charset="0"/>
               </a:rPr>
               <a:t>Decoder</a:t>
             </a:r>
-            <a:endParaRPr lang="en-US" b="1" dirty="0">
-              <a:latin typeface="Times New Roman" panose="02020603050405020304" pitchFamily="18" charset="0"/>
-              <a:cs typeface="Times New Roman" panose="02020603050405020304" pitchFamily="18" charset="0"/>
-            </a:endParaRPr>
-          </a:p>
-        </p:txBody>
-      </p:sp>
-      <mc:AlternateContent xmlns:mc="http://schemas.openxmlformats.org/markup-compatibility/2006">
-        <mc:Choice xmlns:a14="http://schemas.microsoft.com/office/drawing/2010/main" Requires="a14">
+          </a:p>
+        </p:txBody>
+      </p:sp>
+      <mc:AlternateContent xmlns:mc="http://schemas.openxmlformats.org/markup-compatibility/2006" xmlns:a14="http://schemas.microsoft.com/office/drawing/2010/main">
+        <mc:Choice Requires="a14">
           <p:sp>
             <p:nvSpPr>
               <p:cNvPr id="53" name="TextBox 52"/>
@@ -6304,6 +6206,7 @@
               </a:bodyPr>
               <a:lstStyle/>
               <a:p>
+                <a:pPr/>
                 <a14:m>
                   <m:oMathPara xmlns:m="http://schemas.openxmlformats.org/officeDocument/2006/math">
                     <m:oMathParaPr>
@@ -6325,7 +6228,7 @@
             </p:txBody>
           </p:sp>
         </mc:Choice>
-        <mc:Fallback>
+        <mc:Fallback xmlns="">
           <p:sp>
             <p:nvSpPr>
               <p:cNvPr id="53" name="TextBox 52"/>
@@ -6364,8 +6267,8 @@
           </p:sp>
         </mc:Fallback>
       </mc:AlternateContent>
-      <mc:AlternateContent xmlns:mc="http://schemas.openxmlformats.org/markup-compatibility/2006">
-        <mc:Choice xmlns:a14="http://schemas.microsoft.com/office/drawing/2010/main" Requires="a14">
+      <mc:AlternateContent xmlns:mc="http://schemas.openxmlformats.org/markup-compatibility/2006" xmlns:a14="http://schemas.microsoft.com/office/drawing/2010/main">
+        <mc:Choice Requires="a14">
           <p:sp>
             <p:nvSpPr>
               <p:cNvPr id="54" name="TextBox 53"/>
@@ -6388,6 +6291,7 @@
               </a:bodyPr>
               <a:lstStyle/>
               <a:p>
+                <a:pPr/>
                 <a14:m>
                   <m:oMathPara xmlns:m="http://schemas.openxmlformats.org/officeDocument/2006/math">
                     <m:oMathParaPr>
@@ -6416,7 +6320,7 @@
             </p:txBody>
           </p:sp>
         </mc:Choice>
-        <mc:Fallback>
+        <mc:Fallback xmlns="">
           <p:sp>
             <p:nvSpPr>
               <p:cNvPr id="54" name="TextBox 53"/>
@@ -6493,6 +6397,837 @@
         </p:nvGrpSpPr>
         <p:grpSpPr>
           <a:xfrm>
+            <a:off x="429768" y="2711011"/>
+            <a:ext cx="932688" cy="837439"/>
+            <a:chOff x="3291840" y="2247901"/>
+            <a:chExt cx="932688" cy="837439"/>
+          </a:xfrm>
+        </p:grpSpPr>
+        <p:pic>
+          <p:nvPicPr>
+            <p:cNvPr id="5" name="Picture 4" descr="Image result for features machine learning icon"/>
+            <p:cNvPicPr>
+              <a:picLocks noChangeAspect="1" noChangeArrowheads="1"/>
+            </p:cNvPicPr>
+            <p:nvPr/>
+          </p:nvPicPr>
+          <p:blipFill rotWithShape="1">
+            <a:blip r:embed="rId2" cstate="print">
+              <a:extLst>
+                <a:ext uri="{28A0092B-C50C-407E-A947-70E740481C1C}">
+                  <a14:useLocalDpi xmlns:a14="http://schemas.microsoft.com/office/drawing/2010/main" val="0"/>
+                </a:ext>
+              </a:extLst>
+            </a:blip>
+            <a:srcRect l="8415" t="3053" r="8422" b="17250"/>
+            <a:stretch/>
+          </p:blipFill>
+          <p:spPr bwMode="auto">
+            <a:xfrm flipV="1">
+              <a:off x="3328416" y="2353057"/>
+              <a:ext cx="438912" cy="420624"/>
+            </a:xfrm>
+            <a:prstGeom prst="rect">
+              <a:avLst/>
+            </a:prstGeom>
+            <a:noFill/>
+            <a:extLst>
+              <a:ext uri="{909E8E84-426E-40DD-AFC4-6F175D3DCCD1}">
+                <a14:hiddenFill xmlns:a14="http://schemas.microsoft.com/office/drawing/2010/main">
+                  <a:solidFill>
+                    <a:srgbClr val="FFFFFF"/>
+                  </a:solidFill>
+                </a14:hiddenFill>
+              </a:ext>
+            </a:extLst>
+          </p:spPr>
+        </p:pic>
+        <p:pic>
+          <p:nvPicPr>
+            <p:cNvPr id="6" name="Picture 4" descr="Image result for features machine learning icon"/>
+            <p:cNvPicPr>
+              <a:picLocks noChangeAspect="1" noChangeArrowheads="1"/>
+            </p:cNvPicPr>
+            <p:nvPr/>
+          </p:nvPicPr>
+          <p:blipFill rotWithShape="1">
+            <a:blip r:embed="rId2" cstate="print">
+              <a:extLst>
+                <a:ext uri="{28A0092B-C50C-407E-A947-70E740481C1C}">
+                  <a14:useLocalDpi xmlns:a14="http://schemas.microsoft.com/office/drawing/2010/main" val="0"/>
+                </a:ext>
+              </a:extLst>
+            </a:blip>
+            <a:srcRect l="8415" t="3053" r="8422" b="17250"/>
+            <a:stretch/>
+          </p:blipFill>
+          <p:spPr bwMode="auto">
+            <a:xfrm flipV="1">
+              <a:off x="3547872" y="2563369"/>
+              <a:ext cx="438912" cy="420624"/>
+            </a:xfrm>
+            <a:prstGeom prst="rect">
+              <a:avLst/>
+            </a:prstGeom>
+            <a:noFill/>
+            <a:extLst>
+              <a:ext uri="{909E8E84-426E-40DD-AFC4-6F175D3DCCD1}">
+                <a14:hiddenFill xmlns:a14="http://schemas.microsoft.com/office/drawing/2010/main">
+                  <a:solidFill>
+                    <a:srgbClr val="FFFFFF"/>
+                  </a:solidFill>
+                </a14:hiddenFill>
+              </a:ext>
+            </a:extLst>
+          </p:spPr>
+        </p:pic>
+        <p:pic>
+          <p:nvPicPr>
+            <p:cNvPr id="7" name="Picture 4" descr="Image result for features machine learning icon"/>
+            <p:cNvPicPr>
+              <a:picLocks noChangeAspect="1" noChangeArrowheads="1"/>
+            </p:cNvPicPr>
+            <p:nvPr/>
+          </p:nvPicPr>
+          <p:blipFill rotWithShape="1">
+            <a:blip r:embed="rId2" cstate="print">
+              <a:extLst>
+                <a:ext uri="{28A0092B-C50C-407E-A947-70E740481C1C}">
+                  <a14:useLocalDpi xmlns:a14="http://schemas.microsoft.com/office/drawing/2010/main" val="0"/>
+                </a:ext>
+              </a:extLst>
+            </a:blip>
+            <a:srcRect l="8415" t="3053" r="8422" b="17250"/>
+            <a:stretch/>
+          </p:blipFill>
+          <p:spPr bwMode="auto">
+            <a:xfrm flipV="1">
+              <a:off x="3657600" y="2247901"/>
+              <a:ext cx="438912" cy="420624"/>
+            </a:xfrm>
+            <a:prstGeom prst="rect">
+              <a:avLst/>
+            </a:prstGeom>
+            <a:noFill/>
+            <a:extLst>
+              <a:ext uri="{909E8E84-426E-40DD-AFC4-6F175D3DCCD1}">
+                <a14:hiddenFill xmlns:a14="http://schemas.microsoft.com/office/drawing/2010/main">
+                  <a:solidFill>
+                    <a:srgbClr val="FFFFFF"/>
+                  </a:solidFill>
+                </a14:hiddenFill>
+              </a:ext>
+            </a:extLst>
+          </p:spPr>
+        </p:pic>
+        <p:pic>
+          <p:nvPicPr>
+            <p:cNvPr id="8" name="Picture 4" descr="Image result for features machine learning icon"/>
+            <p:cNvPicPr>
+              <a:picLocks noChangeAspect="1" noChangeArrowheads="1"/>
+            </p:cNvPicPr>
+            <p:nvPr/>
+          </p:nvPicPr>
+          <p:blipFill rotWithShape="1">
+            <a:blip r:embed="rId2" cstate="print">
+              <a:extLst>
+                <a:ext uri="{28A0092B-C50C-407E-A947-70E740481C1C}">
+                  <a14:useLocalDpi xmlns:a14="http://schemas.microsoft.com/office/drawing/2010/main" val="0"/>
+                </a:ext>
+              </a:extLst>
+            </a:blip>
+            <a:srcRect l="8415" t="3053" r="8422" b="17250"/>
+            <a:stretch/>
+          </p:blipFill>
+          <p:spPr bwMode="auto">
+            <a:xfrm flipV="1">
+              <a:off x="3785616" y="2510791"/>
+              <a:ext cx="438912" cy="420624"/>
+            </a:xfrm>
+            <a:prstGeom prst="rect">
+              <a:avLst/>
+            </a:prstGeom>
+            <a:noFill/>
+            <a:extLst>
+              <a:ext uri="{909E8E84-426E-40DD-AFC4-6F175D3DCCD1}">
+                <a14:hiddenFill xmlns:a14="http://schemas.microsoft.com/office/drawing/2010/main">
+                  <a:solidFill>
+                    <a:srgbClr val="FFFFFF"/>
+                  </a:solidFill>
+                </a14:hiddenFill>
+              </a:ext>
+            </a:extLst>
+          </p:spPr>
+        </p:pic>
+        <p:pic>
+          <p:nvPicPr>
+            <p:cNvPr id="9" name="Picture 4" descr="Image result for features machine learning icon"/>
+            <p:cNvPicPr>
+              <a:picLocks noChangeAspect="1" noChangeArrowheads="1"/>
+            </p:cNvPicPr>
+            <p:nvPr/>
+          </p:nvPicPr>
+          <p:blipFill rotWithShape="1">
+            <a:blip r:embed="rId2" cstate="print">
+              <a:extLst>
+                <a:ext uri="{28A0092B-C50C-407E-A947-70E740481C1C}">
+                  <a14:useLocalDpi xmlns:a14="http://schemas.microsoft.com/office/drawing/2010/main" val="0"/>
+                </a:ext>
+              </a:extLst>
+            </a:blip>
+            <a:srcRect l="8415" t="3053" r="8422" b="17250"/>
+            <a:stretch/>
+          </p:blipFill>
+          <p:spPr bwMode="auto">
+            <a:xfrm flipV="1">
+              <a:off x="3291840" y="2664716"/>
+              <a:ext cx="438912" cy="420624"/>
+            </a:xfrm>
+            <a:prstGeom prst="rect">
+              <a:avLst/>
+            </a:prstGeom>
+            <a:noFill/>
+            <a:extLst>
+              <a:ext uri="{909E8E84-426E-40DD-AFC4-6F175D3DCCD1}">
+                <a14:hiddenFill xmlns:a14="http://schemas.microsoft.com/office/drawing/2010/main">
+                  <a:solidFill>
+                    <a:srgbClr val="FFFFFF"/>
+                  </a:solidFill>
+                </a14:hiddenFill>
+              </a:ext>
+            </a:extLst>
+          </p:spPr>
+        </p:pic>
+      </p:grpSp>
+      <p:sp>
+        <p:nvSpPr>
+          <p:cNvPr id="10" name="TextBox 9"/>
+          <p:cNvSpPr txBox="1"/>
+          <p:nvPr/>
+        </p:nvSpPr>
+        <p:spPr>
+          <a:xfrm>
+            <a:off x="322326" y="3493933"/>
+            <a:ext cx="1165860" cy="369332"/>
+          </a:xfrm>
+          <a:prstGeom prst="rect">
+            <a:avLst/>
+          </a:prstGeom>
+          <a:noFill/>
+        </p:spPr>
+        <p:txBody>
+          <a:bodyPr wrap="square" rtlCol="0">
+            <a:spAutoFit/>
+          </a:bodyPr>
+          <a:lstStyle/>
+          <a:p>
+            <a:r>
+              <a:rPr lang="en-US" b="1" dirty="0">
+                <a:latin typeface="Times New Roman" panose="02020603050405020304" pitchFamily="18" charset="0"/>
+                <a:cs typeface="Times New Roman" panose="02020603050405020304" pitchFamily="18" charset="0"/>
+              </a:rPr>
+              <a:t>Features</a:t>
+            </a:r>
+          </a:p>
+        </p:txBody>
+      </p:sp>
+      <p:sp>
+        <p:nvSpPr>
+          <p:cNvPr id="13" name="Right Arrow 12"/>
+          <p:cNvSpPr/>
+          <p:nvPr/>
+        </p:nvSpPr>
+        <p:spPr>
+          <a:xfrm>
+            <a:off x="1380744" y="2915968"/>
+            <a:ext cx="1078992" cy="541967"/>
+          </a:xfrm>
+          <a:prstGeom prst="rightArrow">
+            <a:avLst/>
+          </a:prstGeom>
+        </p:spPr>
+        <p:style>
+          <a:lnRef idx="2">
+            <a:schemeClr val="dk1"/>
+          </a:lnRef>
+          <a:fillRef idx="1">
+            <a:schemeClr val="lt1"/>
+          </a:fillRef>
+          <a:effectRef idx="0">
+            <a:schemeClr val="dk1"/>
+          </a:effectRef>
+          <a:fontRef idx="minor">
+            <a:schemeClr val="dk1"/>
+          </a:fontRef>
+        </p:style>
+        <p:txBody>
+          <a:bodyPr rtlCol="0" anchor="ctr"/>
+          <a:lstStyle/>
+          <a:p>
+            <a:pPr algn="ctr"/>
+            <a:endParaRPr lang="en-US"/>
+          </a:p>
+        </p:txBody>
+      </p:sp>
+      <p:sp>
+        <p:nvSpPr>
+          <p:cNvPr id="14" name="Rectangle 13"/>
+          <p:cNvSpPr/>
+          <p:nvPr/>
+        </p:nvSpPr>
+        <p:spPr>
+          <a:xfrm>
+            <a:off x="2507742" y="1725743"/>
+            <a:ext cx="530352" cy="2916937"/>
+          </a:xfrm>
+          <a:prstGeom prst="rect">
+            <a:avLst/>
+          </a:prstGeom>
+        </p:spPr>
+        <p:style>
+          <a:lnRef idx="2">
+            <a:schemeClr val="dk1"/>
+          </a:lnRef>
+          <a:fillRef idx="1">
+            <a:schemeClr val="lt1"/>
+          </a:fillRef>
+          <a:effectRef idx="0">
+            <a:schemeClr val="dk1"/>
+          </a:effectRef>
+          <a:fontRef idx="minor">
+            <a:schemeClr val="dk1"/>
+          </a:fontRef>
+        </p:style>
+        <p:txBody>
+          <a:bodyPr vert="vert" rtlCol="0" anchor="ctr"/>
+          <a:lstStyle/>
+          <a:p>
+            <a:pPr algn="ctr"/>
+            <a:r>
+              <a:rPr lang="en-US" b="1" dirty="0"/>
+              <a:t>Input Layer</a:t>
+            </a:r>
+          </a:p>
+        </p:txBody>
+      </p:sp>
+      <p:sp>
+        <p:nvSpPr>
+          <p:cNvPr id="16" name="Rectangle 15"/>
+          <p:cNvSpPr/>
+          <p:nvPr/>
+        </p:nvSpPr>
+        <p:spPr>
+          <a:xfrm>
+            <a:off x="4678680" y="2342964"/>
+            <a:ext cx="530352" cy="1682497"/>
+          </a:xfrm>
+          <a:prstGeom prst="rect">
+            <a:avLst/>
+          </a:prstGeom>
+        </p:spPr>
+        <p:style>
+          <a:lnRef idx="2">
+            <a:schemeClr val="dk1"/>
+          </a:lnRef>
+          <a:fillRef idx="1">
+            <a:schemeClr val="lt1"/>
+          </a:fillRef>
+          <a:effectRef idx="0">
+            <a:schemeClr val="dk1"/>
+          </a:effectRef>
+          <a:fontRef idx="minor">
+            <a:schemeClr val="dk1"/>
+          </a:fontRef>
+        </p:style>
+        <p:txBody>
+          <a:bodyPr vert="vert" rtlCol="0" anchor="ctr"/>
+          <a:lstStyle/>
+          <a:p>
+            <a:pPr algn="ctr"/>
+            <a:r>
+              <a:rPr lang="en-US" b="1" dirty="0"/>
+              <a:t>Hidden Layer</a:t>
+            </a:r>
+          </a:p>
+        </p:txBody>
+      </p:sp>
+      <p:cxnSp>
+        <p:nvCxnSpPr>
+          <p:cNvPr id="18" name="Straight Connector 17"/>
+          <p:cNvCxnSpPr/>
+          <p:nvPr/>
+        </p:nvCxnSpPr>
+        <p:spPr>
+          <a:xfrm>
+            <a:off x="3038094" y="1725743"/>
+            <a:ext cx="1640586" cy="617221"/>
+          </a:xfrm>
+          <a:prstGeom prst="line">
+            <a:avLst/>
+          </a:prstGeom>
+        </p:spPr>
+        <p:style>
+          <a:lnRef idx="1">
+            <a:schemeClr val="dk1"/>
+          </a:lnRef>
+          <a:fillRef idx="0">
+            <a:schemeClr val="dk1"/>
+          </a:fillRef>
+          <a:effectRef idx="0">
+            <a:schemeClr val="dk1"/>
+          </a:effectRef>
+          <a:fontRef idx="minor">
+            <a:schemeClr val="tx1"/>
+          </a:fontRef>
+        </p:style>
+      </p:cxnSp>
+      <p:cxnSp>
+        <p:nvCxnSpPr>
+          <p:cNvPr id="20" name="Straight Connector 19"/>
+          <p:cNvCxnSpPr/>
+          <p:nvPr/>
+        </p:nvCxnSpPr>
+        <p:spPr>
+          <a:xfrm flipV="1">
+            <a:off x="3038094" y="4025462"/>
+            <a:ext cx="1640586" cy="617218"/>
+          </a:xfrm>
+          <a:prstGeom prst="line">
+            <a:avLst/>
+          </a:prstGeom>
+        </p:spPr>
+        <p:style>
+          <a:lnRef idx="1">
+            <a:schemeClr val="dk1"/>
+          </a:lnRef>
+          <a:fillRef idx="0">
+            <a:schemeClr val="dk1"/>
+          </a:fillRef>
+          <a:effectRef idx="0">
+            <a:schemeClr val="dk1"/>
+          </a:effectRef>
+          <a:fontRef idx="minor">
+            <a:schemeClr val="tx1"/>
+          </a:fontRef>
+        </p:style>
+      </p:cxnSp>
+      <p:sp>
+        <p:nvSpPr>
+          <p:cNvPr id="23" name="Rectangle 22"/>
+          <p:cNvSpPr/>
+          <p:nvPr/>
+        </p:nvSpPr>
+        <p:spPr>
+          <a:xfrm>
+            <a:off x="6849618" y="4334071"/>
+            <a:ext cx="530352" cy="1403605"/>
+          </a:xfrm>
+          <a:prstGeom prst="rect">
+            <a:avLst/>
+          </a:prstGeom>
+        </p:spPr>
+        <p:style>
+          <a:lnRef idx="2">
+            <a:schemeClr val="dk1"/>
+          </a:lnRef>
+          <a:fillRef idx="1">
+            <a:schemeClr val="lt1"/>
+          </a:fillRef>
+          <a:effectRef idx="0">
+            <a:schemeClr val="dk1"/>
+          </a:effectRef>
+          <a:fontRef idx="minor">
+            <a:schemeClr val="dk1"/>
+          </a:fontRef>
+        </p:style>
+        <p:txBody>
+          <a:bodyPr vert="vert" rtlCol="0" anchor="ctr"/>
+          <a:lstStyle/>
+          <a:p>
+            <a:pPr algn="ctr"/>
+            <a:r>
+              <a:rPr lang="en-US" b="1" dirty="0"/>
+              <a:t>Output</a:t>
+            </a:r>
+          </a:p>
+        </p:txBody>
+      </p:sp>
+      <p:sp>
+        <p:nvSpPr>
+          <p:cNvPr id="27" name="Rectangle 26"/>
+          <p:cNvSpPr/>
+          <p:nvPr/>
+        </p:nvSpPr>
+        <p:spPr>
+          <a:xfrm>
+            <a:off x="6849618" y="208416"/>
+            <a:ext cx="530352" cy="2916937"/>
+          </a:xfrm>
+          <a:prstGeom prst="rect">
+            <a:avLst/>
+          </a:prstGeom>
+        </p:spPr>
+        <p:style>
+          <a:lnRef idx="2">
+            <a:schemeClr val="dk1"/>
+          </a:lnRef>
+          <a:fillRef idx="1">
+            <a:schemeClr val="lt1"/>
+          </a:fillRef>
+          <a:effectRef idx="0">
+            <a:schemeClr val="dk1"/>
+          </a:effectRef>
+          <a:fontRef idx="minor">
+            <a:schemeClr val="dk1"/>
+          </a:fontRef>
+        </p:style>
+        <p:txBody>
+          <a:bodyPr vert="vert" rtlCol="0" anchor="ctr"/>
+          <a:lstStyle/>
+          <a:p>
+            <a:pPr algn="ctr"/>
+            <a:r>
+              <a:rPr lang="en-US" b="1" dirty="0"/>
+              <a:t>Input Layer</a:t>
+            </a:r>
+          </a:p>
+        </p:txBody>
+      </p:sp>
+      <p:cxnSp>
+        <p:nvCxnSpPr>
+          <p:cNvPr id="28" name="Straight Connector 27"/>
+          <p:cNvCxnSpPr/>
+          <p:nvPr/>
+        </p:nvCxnSpPr>
+        <p:spPr>
+          <a:xfrm flipV="1">
+            <a:off x="5209032" y="208416"/>
+            <a:ext cx="1640586" cy="2134547"/>
+          </a:xfrm>
+          <a:prstGeom prst="line">
+            <a:avLst/>
+          </a:prstGeom>
+        </p:spPr>
+        <p:style>
+          <a:lnRef idx="1">
+            <a:schemeClr val="dk1"/>
+          </a:lnRef>
+          <a:fillRef idx="0">
+            <a:schemeClr val="dk1"/>
+          </a:fillRef>
+          <a:effectRef idx="0">
+            <a:schemeClr val="dk1"/>
+          </a:effectRef>
+          <a:fontRef idx="minor">
+            <a:schemeClr val="tx1"/>
+          </a:fontRef>
+        </p:style>
+      </p:cxnSp>
+      <p:cxnSp>
+        <p:nvCxnSpPr>
+          <p:cNvPr id="31" name="Straight Connector 30"/>
+          <p:cNvCxnSpPr/>
+          <p:nvPr/>
+        </p:nvCxnSpPr>
+        <p:spPr>
+          <a:xfrm flipV="1">
+            <a:off x="5209032" y="3125353"/>
+            <a:ext cx="1640586" cy="900108"/>
+          </a:xfrm>
+          <a:prstGeom prst="line">
+            <a:avLst/>
+          </a:prstGeom>
+        </p:spPr>
+        <p:style>
+          <a:lnRef idx="1">
+            <a:schemeClr val="dk1"/>
+          </a:lnRef>
+          <a:fillRef idx="0">
+            <a:schemeClr val="dk1"/>
+          </a:fillRef>
+          <a:effectRef idx="0">
+            <a:schemeClr val="dk1"/>
+          </a:effectRef>
+          <a:fontRef idx="minor">
+            <a:schemeClr val="tx1"/>
+          </a:fontRef>
+        </p:style>
+      </p:cxnSp>
+      <p:cxnSp>
+        <p:nvCxnSpPr>
+          <p:cNvPr id="34" name="Straight Connector 33"/>
+          <p:cNvCxnSpPr/>
+          <p:nvPr/>
+        </p:nvCxnSpPr>
+        <p:spPr>
+          <a:xfrm>
+            <a:off x="5209032" y="2342963"/>
+            <a:ext cx="1640586" cy="1991108"/>
+          </a:xfrm>
+          <a:prstGeom prst="line">
+            <a:avLst/>
+          </a:prstGeom>
+        </p:spPr>
+        <p:style>
+          <a:lnRef idx="1">
+            <a:schemeClr val="dk1"/>
+          </a:lnRef>
+          <a:fillRef idx="0">
+            <a:schemeClr val="dk1"/>
+          </a:fillRef>
+          <a:effectRef idx="0">
+            <a:schemeClr val="dk1"/>
+          </a:effectRef>
+          <a:fontRef idx="minor">
+            <a:schemeClr val="tx1"/>
+          </a:fontRef>
+        </p:style>
+      </p:cxnSp>
+      <p:cxnSp>
+        <p:nvCxnSpPr>
+          <p:cNvPr id="37" name="Straight Connector 36"/>
+          <p:cNvCxnSpPr/>
+          <p:nvPr/>
+        </p:nvCxnSpPr>
+        <p:spPr>
+          <a:xfrm>
+            <a:off x="5209032" y="4025461"/>
+            <a:ext cx="1640586" cy="1712215"/>
+          </a:xfrm>
+          <a:prstGeom prst="line">
+            <a:avLst/>
+          </a:prstGeom>
+        </p:spPr>
+        <p:style>
+          <a:lnRef idx="1">
+            <a:schemeClr val="dk1"/>
+          </a:lnRef>
+          <a:fillRef idx="0">
+            <a:schemeClr val="dk1"/>
+          </a:fillRef>
+          <a:effectRef idx="0">
+            <a:schemeClr val="dk1"/>
+          </a:effectRef>
+          <a:fontRef idx="minor">
+            <a:schemeClr val="tx1"/>
+          </a:fontRef>
+        </p:style>
+      </p:cxnSp>
+      <mc:AlternateContent xmlns:mc="http://schemas.openxmlformats.org/markup-compatibility/2006" xmlns:a14="http://schemas.microsoft.com/office/drawing/2010/main">
+        <mc:Choice Requires="a14">
+          <p:sp>
+            <p:nvSpPr>
+              <p:cNvPr id="53" name="TextBox 52"/>
+              <p:cNvSpPr txBox="1"/>
+              <p:nvPr/>
+            </p:nvSpPr>
+            <p:spPr>
+              <a:xfrm>
+                <a:off x="7344537" y="1482218"/>
+                <a:ext cx="429768" cy="369332"/>
+              </a:xfrm>
+              <a:prstGeom prst="rect">
+                <a:avLst/>
+              </a:prstGeom>
+              <a:noFill/>
+            </p:spPr>
+            <p:txBody>
+              <a:bodyPr wrap="square" rtlCol="0">
+                <a:spAutoFit/>
+              </a:bodyPr>
+              <a:lstStyle/>
+              <a:p>
+                <a:pPr/>
+                <a14:m>
+                  <m:oMathPara xmlns:m="http://schemas.openxmlformats.org/officeDocument/2006/math">
+                    <m:oMathParaPr>
+                      <m:jc m:val="centerGroup"/>
+                    </m:oMathParaPr>
+                    <m:oMath xmlns:m="http://schemas.openxmlformats.org/officeDocument/2006/math">
+                      <m:r>
+                        <a:rPr lang="en-US" i="1" smtClean="0">
+                          <a:latin typeface="Cambria Math" panose="02040503050406030204" pitchFamily="18" charset="0"/>
+                          <a:ea typeface="Cambria Math" panose="02040503050406030204" pitchFamily="18" charset="0"/>
+                        </a:rPr>
+                        <m:t>ℒ</m:t>
+                      </m:r>
+                    </m:oMath>
+                  </m:oMathPara>
+                </a14:m>
+                <a:endParaRPr lang="en-US" dirty="0"/>
+              </a:p>
+            </p:txBody>
+          </p:sp>
+        </mc:Choice>
+        <mc:Fallback xmlns="">
+          <p:sp>
+            <p:nvSpPr>
+              <p:cNvPr id="53" name="TextBox 52"/>
+              <p:cNvSpPr txBox="1">
+                <a:spLocks noRot="1" noChangeAspect="1" noMove="1" noResize="1" noEditPoints="1" noAdjustHandles="1" noChangeArrowheads="1" noChangeShapeType="1" noTextEdit="1"/>
+              </p:cNvSpPr>
+              <p:nvPr/>
+            </p:nvSpPr>
+            <p:spPr>
+              <a:xfrm>
+                <a:off x="7344537" y="1482218"/>
+                <a:ext cx="429768" cy="369332"/>
+              </a:xfrm>
+              <a:prstGeom prst="rect">
+                <a:avLst/>
+              </a:prstGeom>
+              <a:blipFill>
+                <a:blip r:embed="rId3"/>
+                <a:stretch>
+                  <a:fillRect/>
+                </a:stretch>
+              </a:blipFill>
+            </p:spPr>
+            <p:txBody>
+              <a:bodyPr/>
+              <a:lstStyle/>
+              <a:p>
+                <a:r>
+                  <a:rPr lang="en-US">
+                    <a:noFill/>
+                  </a:rPr>
+                  <a:t> </a:t>
+                </a:r>
+              </a:p>
+            </p:txBody>
+          </p:sp>
+        </mc:Fallback>
+      </mc:AlternateContent>
+      <mc:AlternateContent xmlns:mc="http://schemas.openxmlformats.org/markup-compatibility/2006" xmlns:a14="http://schemas.microsoft.com/office/drawing/2010/main">
+        <mc:Choice Requires="a14">
+          <p:sp>
+            <p:nvSpPr>
+              <p:cNvPr id="54" name="TextBox 53"/>
+              <p:cNvSpPr txBox="1"/>
+              <p:nvPr/>
+            </p:nvSpPr>
+            <p:spPr>
+              <a:xfrm>
+                <a:off x="7344537" y="4851207"/>
+                <a:ext cx="429768" cy="369332"/>
+              </a:xfrm>
+              <a:prstGeom prst="rect">
+                <a:avLst/>
+              </a:prstGeom>
+              <a:noFill/>
+            </p:spPr>
+            <p:txBody>
+              <a:bodyPr wrap="square" rtlCol="0">
+                <a:spAutoFit/>
+              </a:bodyPr>
+              <a:lstStyle/>
+              <a:p>
+                <a:pPr/>
+                <a14:m>
+                  <m:oMathPara xmlns:m="http://schemas.openxmlformats.org/officeDocument/2006/math">
+                    <m:oMathParaPr>
+                      <m:jc m:val="centerGroup"/>
+                    </m:oMathParaPr>
+                    <m:oMath xmlns:m="http://schemas.openxmlformats.org/officeDocument/2006/math">
+                      <m:r>
+                        <a:rPr lang="en-US" i="1" smtClean="0">
+                          <a:latin typeface="Cambria Math" panose="02040503050406030204" pitchFamily="18" charset="0"/>
+                          <a:ea typeface="Cambria Math" panose="02040503050406030204" pitchFamily="18" charset="0"/>
+                        </a:rPr>
+                        <m:t>ℒ</m:t>
+                      </m:r>
+                      <m:r>
+                        <a:rPr lang="en-US" b="0" i="1" smtClean="0">
+                          <a:latin typeface="Cambria Math" panose="02040503050406030204" pitchFamily="18" charset="0"/>
+                          <a:ea typeface="Cambria Math" panose="02040503050406030204" pitchFamily="18" charset="0"/>
+                        </a:rPr>
+                        <m:t>′</m:t>
+                      </m:r>
+                    </m:oMath>
+                  </m:oMathPara>
+                </a14:m>
+                <a:endParaRPr lang="en-US" dirty="0"/>
+              </a:p>
+            </p:txBody>
+          </p:sp>
+        </mc:Choice>
+        <mc:Fallback xmlns="">
+          <p:sp>
+            <p:nvSpPr>
+              <p:cNvPr id="54" name="TextBox 53"/>
+              <p:cNvSpPr txBox="1">
+                <a:spLocks noRot="1" noChangeAspect="1" noMove="1" noResize="1" noEditPoints="1" noAdjustHandles="1" noChangeArrowheads="1" noChangeShapeType="1" noTextEdit="1"/>
+              </p:cNvSpPr>
+              <p:nvPr/>
+            </p:nvSpPr>
+            <p:spPr>
+              <a:xfrm>
+                <a:off x="7344537" y="4851207"/>
+                <a:ext cx="429768" cy="369332"/>
+              </a:xfrm>
+              <a:prstGeom prst="rect">
+                <a:avLst/>
+              </a:prstGeom>
+              <a:blipFill>
+                <a:blip r:embed="rId4"/>
+                <a:stretch>
+                  <a:fillRect/>
+                </a:stretch>
+              </a:blipFill>
+            </p:spPr>
+            <p:txBody>
+              <a:bodyPr/>
+              <a:lstStyle/>
+              <a:p>
+                <a:r>
+                  <a:rPr lang="en-US">
+                    <a:noFill/>
+                  </a:rPr>
+                  <a:t> </a:t>
+                </a:r>
+              </a:p>
+            </p:txBody>
+          </p:sp>
+        </mc:Fallback>
+      </mc:AlternateContent>
+    </p:spTree>
+    <p:extLst>
+      <p:ext uri="{BB962C8B-B14F-4D97-AF65-F5344CB8AC3E}">
+        <p14:creationId xmlns:p14="http://schemas.microsoft.com/office/powerpoint/2010/main" val="1701838456"/>
+      </p:ext>
+    </p:extLst>
+  </p:cSld>
+  <p:clrMapOvr>
+    <a:masterClrMapping/>
+  </p:clrMapOvr>
+</p:sld>
+</file>
+
+<file path=ppt/slides/slide5.xml><?xml version="1.0" encoding="utf-8"?>
+<p:sld xmlns:a="http://schemas.openxmlformats.org/drawingml/2006/main" xmlns:r="http://schemas.openxmlformats.org/officeDocument/2006/relationships" xmlns:p="http://schemas.openxmlformats.org/presentationml/2006/main">
+  <p:cSld>
+    <p:spTree>
+      <p:nvGrpSpPr>
+        <p:cNvPr id="1" name=""/>
+        <p:cNvGrpSpPr/>
+        <p:nvPr/>
+      </p:nvGrpSpPr>
+      <p:grpSpPr>
+        <a:xfrm>
+          <a:off x="0" y="0"/>
+          <a:ext cx="0" cy="0"/>
+          <a:chOff x="0" y="0"/>
+          <a:chExt cx="0" cy="0"/>
+        </a:xfrm>
+      </p:grpSpPr>
+      <p:grpSp>
+        <p:nvGrpSpPr>
+          <p:cNvPr id="4" name="Group 3"/>
+          <p:cNvGrpSpPr/>
+          <p:nvPr/>
+        </p:nvGrpSpPr>
+        <p:grpSpPr>
+          <a:xfrm>
             <a:off x="-88062" y="2006582"/>
             <a:ext cx="6186052" cy="1832816"/>
             <a:chOff x="742062" y="983536"/>
@@ -6564,14 +7299,11 @@
             <a:p>
               <a:pPr algn="ctr"/>
               <a:r>
-                <a:rPr lang="en-US" b="1" dirty="0" smtClean="0">
+                <a:rPr lang="en-US" b="1" dirty="0">
                   <a:cs typeface="Times New Roman" panose="02020603050405020304" pitchFamily="18" charset="0"/>
                 </a:rPr>
                 <a:t>Source Files</a:t>
               </a:r>
-              <a:endParaRPr lang="en-US" b="1" dirty="0">
-                <a:cs typeface="Times New Roman" panose="02020603050405020304" pitchFamily="18" charset="0"/>
-              </a:endParaRPr>
             </a:p>
           </p:txBody>
         </p:sp>
@@ -6631,14 +7363,11 @@
             <a:lstStyle/>
             <a:p>
               <a:r>
-                <a:rPr lang="en-US" sz="1400" b="1" dirty="0" smtClean="0">
+                <a:rPr lang="en-US" sz="1400" b="1" dirty="0">
                   <a:cs typeface="Times New Roman" panose="02020603050405020304" pitchFamily="18" charset="0"/>
                 </a:rPr>
                 <a:t>Parsing AST</a:t>
               </a:r>
-              <a:endParaRPr lang="en-US" sz="1400" b="1" dirty="0">
-                <a:cs typeface="Times New Roman" panose="02020603050405020304" pitchFamily="18" charset="0"/>
-              </a:endParaRPr>
             </a:p>
           </p:txBody>
         </p:sp>
@@ -6698,14 +7427,11 @@
             <a:lstStyle/>
             <a:p>
               <a:r>
-                <a:rPr lang="en-US" sz="1400" b="1" dirty="0" smtClean="0">
+                <a:rPr lang="en-US" sz="1400" b="1" dirty="0">
                   <a:cs typeface="Times New Roman" panose="02020603050405020304" pitchFamily="18" charset="0"/>
                 </a:rPr>
                 <a:t>Generating features</a:t>
               </a:r>
-              <a:endParaRPr lang="en-US" sz="1400" b="1" dirty="0">
-                <a:cs typeface="Times New Roman" panose="02020603050405020304" pitchFamily="18" charset="0"/>
-              </a:endParaRPr>
             </a:p>
           </p:txBody>
         </p:sp>
@@ -6942,14 +7668,11 @@
             <a:lstStyle/>
             <a:p>
               <a:r>
-                <a:rPr lang="en-US" b="1" dirty="0" smtClean="0">
+                <a:rPr lang="en-US" b="1" dirty="0">
                   <a:cs typeface="Times New Roman" panose="02020603050405020304" pitchFamily="18" charset="0"/>
                 </a:rPr>
                 <a:t>Features</a:t>
               </a:r>
-              <a:endParaRPr lang="en-US" b="1" dirty="0">
-                <a:cs typeface="Times New Roman" panose="02020603050405020304" pitchFamily="18" charset="0"/>
-              </a:endParaRPr>
             </a:p>
           </p:txBody>
         </p:sp>
@@ -7082,10 +7805,9 @@
             <a:p>
               <a:pPr algn="ctr"/>
               <a:r>
-                <a:rPr lang="en-US" b="1" dirty="0" smtClean="0"/>
+                <a:rPr lang="en-US" b="1" dirty="0"/>
                 <a:t>Input Layer</a:t>
               </a:r>
-              <a:endParaRPr lang="en-US" b="1" dirty="0"/>
             </a:p>
           </p:txBody>
         </p:sp>
@@ -7124,10 +7846,9 @@
             <a:p>
               <a:pPr algn="ctr"/>
               <a:r>
-                <a:rPr lang="en-US" b="1" dirty="0" smtClean="0"/>
+                <a:rPr lang="en-US" b="1" dirty="0"/>
                 <a:t>Hidden Layer</a:t>
               </a:r>
-              <a:endParaRPr lang="en-US" b="1" dirty="0"/>
             </a:p>
           </p:txBody>
         </p:sp>
@@ -7226,10 +7947,9 @@
             <a:p>
               <a:pPr algn="ctr"/>
               <a:r>
-                <a:rPr lang="en-US" b="1" dirty="0" smtClean="0"/>
+                <a:rPr lang="en-US" b="1" dirty="0"/>
                 <a:t>Output</a:t>
               </a:r>
-              <a:endParaRPr lang="en-US" b="1" dirty="0"/>
             </a:p>
           </p:txBody>
         </p:sp>
@@ -7268,10 +7988,9 @@
             <a:p>
               <a:pPr algn="ctr"/>
               <a:r>
-                <a:rPr lang="en-US" b="1" dirty="0" smtClean="0"/>
+                <a:rPr lang="en-US" b="1" dirty="0"/>
                 <a:t>Input Layer</a:t>
               </a:r>
-              <a:endParaRPr lang="en-US" b="1" dirty="0"/>
             </a:p>
           </p:txBody>
         </p:sp>
@@ -7419,10 +8138,9 @@
             <a:p>
               <a:pPr algn="ctr"/>
               <a:r>
-                <a:rPr lang="en-US" sz="2800" dirty="0" smtClean="0"/>
+                <a:rPr lang="en-US" sz="2800" dirty="0"/>
                 <a:t>………….</a:t>
               </a:r>
-              <a:endParaRPr lang="en-US" sz="2800" dirty="0"/>
             </a:p>
           </p:txBody>
         </p:sp>
@@ -7450,10 +8168,9 @@
             <a:p>
               <a:pPr algn="ctr"/>
               <a:r>
-                <a:rPr lang="en-US" sz="2800" dirty="0" smtClean="0"/>
+                <a:rPr lang="en-US" sz="2800" dirty="0"/>
                 <a:t>….</a:t>
               </a:r>
-              <a:endParaRPr lang="en-US" sz="2800" dirty="0"/>
             </a:p>
           </p:txBody>
         </p:sp>
@@ -7481,10 +8198,9 @@
             <a:p>
               <a:pPr algn="ctr"/>
               <a:r>
-                <a:rPr lang="en-US" sz="2800" dirty="0" smtClean="0"/>
+                <a:rPr lang="en-US" sz="2800" dirty="0"/>
                 <a:t>….</a:t>
               </a:r>
-              <a:endParaRPr lang="en-US" sz="2800" dirty="0"/>
             </a:p>
           </p:txBody>
         </p:sp>
@@ -7579,14 +8295,11 @@
             <a:lstStyle/>
             <a:p>
               <a:r>
-                <a:rPr lang="en-US" b="1" dirty="0" smtClean="0">
+                <a:rPr lang="en-US" b="1" dirty="0">
                   <a:cs typeface="Times New Roman" panose="02020603050405020304" pitchFamily="18" charset="0"/>
                 </a:rPr>
                 <a:t>Encoder</a:t>
               </a:r>
-              <a:endParaRPr lang="en-US" b="1" dirty="0">
-                <a:cs typeface="Times New Roman" panose="02020603050405020304" pitchFamily="18" charset="0"/>
-              </a:endParaRPr>
             </a:p>
           </p:txBody>
         </p:sp>
@@ -7613,19 +8326,16 @@
             <a:lstStyle/>
             <a:p>
               <a:r>
-                <a:rPr lang="en-US" b="1" dirty="0" smtClean="0">
+                <a:rPr lang="en-US" b="1" dirty="0">
                   <a:cs typeface="Times New Roman" panose="02020603050405020304" pitchFamily="18" charset="0"/>
                 </a:rPr>
                 <a:t>Decoder</a:t>
               </a:r>
-              <a:endParaRPr lang="en-US" b="1" dirty="0">
-                <a:cs typeface="Times New Roman" panose="02020603050405020304" pitchFamily="18" charset="0"/>
-              </a:endParaRPr>
             </a:p>
           </p:txBody>
         </p:sp>
-        <mc:AlternateContent xmlns:mc="http://schemas.openxmlformats.org/markup-compatibility/2006">
-          <mc:Choice xmlns:a14="http://schemas.microsoft.com/office/drawing/2010/main" Requires="a14">
+        <mc:AlternateContent xmlns:mc="http://schemas.openxmlformats.org/markup-compatibility/2006" xmlns:a14="http://schemas.microsoft.com/office/drawing/2010/main">
+          <mc:Choice Requires="a14">
             <p:sp>
               <p:nvSpPr>
                 <p:cNvPr id="37" name="TextBox 36"/>
@@ -7648,6 +8358,7 @@
                 </a:bodyPr>
                 <a:lstStyle/>
                 <a:p>
+                  <a:pPr/>
                   <a14:m>
                     <m:oMathPara xmlns:m="http://schemas.openxmlformats.org/officeDocument/2006/math">
                       <m:oMathParaPr>
@@ -7669,7 +8380,7 @@
               </p:txBody>
             </p:sp>
           </mc:Choice>
-          <mc:Fallback>
+          <mc:Fallback xmlns="">
             <p:sp>
               <p:nvSpPr>
                 <p:cNvPr id="37" name="TextBox 36"/>
@@ -7708,8 +8419,8 @@
             </p:sp>
           </mc:Fallback>
         </mc:AlternateContent>
-        <mc:AlternateContent xmlns:mc="http://schemas.openxmlformats.org/markup-compatibility/2006">
-          <mc:Choice xmlns:a14="http://schemas.microsoft.com/office/drawing/2010/main" Requires="a14">
+        <mc:AlternateContent xmlns:mc="http://schemas.openxmlformats.org/markup-compatibility/2006" xmlns:a14="http://schemas.microsoft.com/office/drawing/2010/main">
+          <mc:Choice Requires="a14">
             <p:sp>
               <p:nvSpPr>
                 <p:cNvPr id="38" name="TextBox 37"/>
@@ -7732,6 +8443,7 @@
                 </a:bodyPr>
                 <a:lstStyle/>
                 <a:p>
+                  <a:pPr/>
                   <a14:m>
                     <m:oMathPara xmlns:m="http://schemas.openxmlformats.org/officeDocument/2006/math">
                       <m:oMathParaPr>
@@ -7760,7 +8472,7 @@
               </p:txBody>
             </p:sp>
           </mc:Choice>
-          <mc:Fallback>
+          <mc:Fallback xmlns="">
             <p:sp>
               <p:nvSpPr>
                 <p:cNvPr id="38" name="TextBox 37"/>

--- a/Draft/ASE_2017/ppt.pptx
+++ b/Draft/ASE_2017/ppt.pptx
@@ -18,7 +18,7 @@
     <p:sldId id="259" r:id="rId6"/>
   </p:sldIdLst>
   <p:sldSz cx="12192000" cy="6858000"/>
-  <p:notesSz cx="7315200" cy="9601200"/>
+  <p:notesSz cx="6797675" cy="9872663"/>
   <p:defaultTextStyle>
     <a:defPPr>
       <a:defRPr lang="en-US"/>
@@ -160,8 +160,8 @@
         </p:nvSpPr>
         <p:spPr>
           <a:xfrm>
-            <a:off x="0" y="0"/>
-            <a:ext cx="3170238" cy="481013"/>
+            <a:off x="0" y="1"/>
+            <a:ext cx="2945955" cy="494613"/>
           </a:xfrm>
           <a:prstGeom prst="rect">
             <a:avLst/>
@@ -191,8 +191,8 @@
         </p:nvSpPr>
         <p:spPr>
           <a:xfrm>
-            <a:off x="4143375" y="0"/>
-            <a:ext cx="3170238" cy="481013"/>
+            <a:off x="3850245" y="1"/>
+            <a:ext cx="2945955" cy="494613"/>
           </a:xfrm>
           <a:prstGeom prst="rect">
             <a:avLst/>
@@ -226,8 +226,8 @@
         </p:nvSpPr>
         <p:spPr>
           <a:xfrm>
-            <a:off x="0" y="9120188"/>
-            <a:ext cx="3170238" cy="481012"/>
+            <a:off x="0" y="9378051"/>
+            <a:ext cx="2945955" cy="494612"/>
           </a:xfrm>
           <a:prstGeom prst="rect">
             <a:avLst/>
@@ -257,8 +257,8 @@
         </p:nvSpPr>
         <p:spPr>
           <a:xfrm>
-            <a:off x="4143375" y="9120188"/>
-            <a:ext cx="3170238" cy="481012"/>
+            <a:off x="3850245" y="9378051"/>
+            <a:ext cx="2945955" cy="494612"/>
           </a:xfrm>
           <a:prstGeom prst="rect">
             <a:avLst/>
@@ -325,8 +325,8 @@
         </p:nvSpPr>
         <p:spPr>
           <a:xfrm>
-            <a:off x="0" y="0"/>
-            <a:ext cx="3170238" cy="481013"/>
+            <a:off x="0" y="1"/>
+            <a:ext cx="2945955" cy="494613"/>
           </a:xfrm>
           <a:prstGeom prst="rect">
             <a:avLst/>
@@ -356,8 +356,8 @@
         </p:nvSpPr>
         <p:spPr>
           <a:xfrm>
-            <a:off x="4143375" y="0"/>
-            <a:ext cx="3170238" cy="481013"/>
+            <a:off x="3850245" y="1"/>
+            <a:ext cx="2945955" cy="494613"/>
           </a:xfrm>
           <a:prstGeom prst="rect">
             <a:avLst/>
@@ -391,8 +391,8 @@
         </p:nvSpPr>
         <p:spPr>
           <a:xfrm>
-            <a:off x="777875" y="1200150"/>
-            <a:ext cx="5759450" cy="3240088"/>
+            <a:off x="438150" y="1233488"/>
+            <a:ext cx="5921375" cy="3332162"/>
           </a:xfrm>
           <a:prstGeom prst="rect">
             <a:avLst/>
@@ -424,8 +424,8 @@
         </p:nvSpPr>
         <p:spPr>
           <a:xfrm>
-            <a:off x="731838" y="4621213"/>
-            <a:ext cx="5851525" cy="3779837"/>
+            <a:off x="680063" y="4751873"/>
+            <a:ext cx="5437550" cy="3886708"/>
           </a:xfrm>
           <a:prstGeom prst="rect">
             <a:avLst/>
@@ -483,8 +483,8 @@
         </p:nvSpPr>
         <p:spPr>
           <a:xfrm>
-            <a:off x="0" y="9120188"/>
-            <a:ext cx="3170238" cy="481012"/>
+            <a:off x="0" y="9378051"/>
+            <a:ext cx="2945955" cy="494612"/>
           </a:xfrm>
           <a:prstGeom prst="rect">
             <a:avLst/>
@@ -514,8 +514,8 @@
         </p:nvSpPr>
         <p:spPr>
           <a:xfrm>
-            <a:off x="4143375" y="9120188"/>
-            <a:ext cx="3170238" cy="481012"/>
+            <a:off x="3850245" y="9378051"/>
+            <a:ext cx="2945955" cy="494612"/>
           </a:xfrm>
           <a:prstGeom prst="rect">
             <a:avLst/>
@@ -6397,10 +6397,10 @@
         </p:nvGrpSpPr>
         <p:grpSpPr>
           <a:xfrm>
-            <a:off x="429768" y="2711011"/>
-            <a:ext cx="932688" cy="837439"/>
-            <a:chOff x="3291840" y="2247901"/>
-            <a:chExt cx="932688" cy="837439"/>
+            <a:off x="327660" y="2706979"/>
+            <a:ext cx="1056704" cy="868428"/>
+            <a:chOff x="3035808" y="2073460"/>
+            <a:chExt cx="1056704" cy="868428"/>
           </a:xfrm>
         </p:grpSpPr>
         <p:pic>
@@ -6424,46 +6424,7 @@
           </p:blipFill>
           <p:spPr bwMode="auto">
             <a:xfrm flipV="1">
-              <a:off x="3328416" y="2353057"/>
-              <a:ext cx="438912" cy="420624"/>
-            </a:xfrm>
-            <a:prstGeom prst="rect">
-              <a:avLst/>
-            </a:prstGeom>
-            <a:noFill/>
-            <a:extLst>
-              <a:ext uri="{909E8E84-426E-40DD-AFC4-6F175D3DCCD1}">
-                <a14:hiddenFill xmlns:a14="http://schemas.microsoft.com/office/drawing/2010/main">
-                  <a:solidFill>
-                    <a:srgbClr val="FFFFFF"/>
-                  </a:solidFill>
-                </a14:hiddenFill>
-              </a:ext>
-            </a:extLst>
-          </p:spPr>
-        </p:pic>
-        <p:pic>
-          <p:nvPicPr>
-            <p:cNvPr id="6" name="Picture 4" descr="Image result for features machine learning icon"/>
-            <p:cNvPicPr>
-              <a:picLocks noChangeAspect="1" noChangeArrowheads="1"/>
-            </p:cNvPicPr>
-            <p:nvPr/>
-          </p:nvPicPr>
-          <p:blipFill rotWithShape="1">
-            <a:blip r:embed="rId2" cstate="print">
-              <a:extLst>
-                <a:ext uri="{28A0092B-C50C-407E-A947-70E740481C1C}">
-                  <a14:useLocalDpi xmlns:a14="http://schemas.microsoft.com/office/drawing/2010/main" val="0"/>
-                </a:ext>
-              </a:extLst>
-            </a:blip>
-            <a:srcRect l="8415" t="3053" r="8422" b="17250"/>
-            <a:stretch/>
-          </p:blipFill>
-          <p:spPr bwMode="auto">
-            <a:xfrm flipV="1">
-              <a:off x="3547872" y="2563369"/>
+              <a:off x="3255264" y="2170004"/>
               <a:ext cx="438912" cy="420624"/>
             </a:xfrm>
             <a:prstGeom prst="rect">
@@ -6502,7 +6463,7 @@
           </p:blipFill>
           <p:spPr bwMode="auto">
             <a:xfrm flipV="1">
-              <a:off x="3657600" y="2247901"/>
+              <a:off x="3653600" y="2073460"/>
               <a:ext cx="438912" cy="420624"/>
             </a:xfrm>
             <a:prstGeom prst="rect">
@@ -6541,7 +6502,7 @@
           </p:blipFill>
           <p:spPr bwMode="auto">
             <a:xfrm flipV="1">
-              <a:off x="3785616" y="2510791"/>
+              <a:off x="3547872" y="2469251"/>
               <a:ext cx="438912" cy="420624"/>
             </a:xfrm>
             <a:prstGeom prst="rect">
@@ -6580,7 +6541,7 @@
           </p:blipFill>
           <p:spPr bwMode="auto">
             <a:xfrm flipV="1">
-              <a:off x="3291840" y="2664716"/>
+              <a:off x="3035808" y="2521264"/>
               <a:ext cx="438912" cy="420624"/>
             </a:xfrm>
             <a:prstGeom prst="rect">
@@ -6623,7 +6584,6 @@
           <a:p>
             <a:r>
               <a:rPr lang="en-US" b="1" dirty="0">
-                <a:latin typeface="Times New Roman" panose="02020603050405020304" pitchFamily="18" charset="0"/>
                 <a:cs typeface="Times New Roman" panose="02020603050405020304" pitchFamily="18" charset="0"/>
               </a:rPr>
               <a:t>Features</a:t>

--- a/Draft/ASE_2017/ppt.pptx
+++ b/Draft/ASE_2017/ppt.pptx
@@ -6397,7 +6397,7 @@
         </p:nvGrpSpPr>
         <p:grpSpPr>
           <a:xfrm>
-            <a:off x="327660" y="2706979"/>
+            <a:off x="400812" y="3383635"/>
             <a:ext cx="1056704" cy="868428"/>
             <a:chOff x="3035808" y="2073460"/>
             <a:chExt cx="1056704" cy="868428"/>
@@ -6568,7 +6568,7 @@
         </p:nvSpPr>
         <p:spPr>
           <a:xfrm>
-            <a:off x="322326" y="3493933"/>
+            <a:off x="395478" y="4170589"/>
             <a:ext cx="1165860" cy="369332"/>
           </a:xfrm>
           <a:prstGeom prst="rect">
@@ -6599,7 +6599,7 @@
         </p:nvSpPr>
         <p:spPr>
           <a:xfrm>
-            <a:off x="1380744" y="2915968"/>
+            <a:off x="1453896" y="3592624"/>
             <a:ext cx="1078992" cy="541967"/>
           </a:xfrm>
           <a:prstGeom prst="rightArrow">
@@ -6637,7 +6637,7 @@
         </p:nvSpPr>
         <p:spPr>
           <a:xfrm>
-            <a:off x="2507742" y="1725743"/>
+            <a:off x="2580894" y="2402399"/>
             <a:ext cx="530352" cy="2916937"/>
           </a:xfrm>
           <a:prstGeom prst="rect">
@@ -6678,7 +6678,7 @@
         </p:nvSpPr>
         <p:spPr>
           <a:xfrm>
-            <a:off x="4678680" y="2342964"/>
+            <a:off x="4751832" y="3019620"/>
             <a:ext cx="530352" cy="1682497"/>
           </a:xfrm>
           <a:prstGeom prst="rect">
@@ -6719,7 +6719,7 @@
         </p:nvCxnSpPr>
         <p:spPr>
           <a:xfrm>
-            <a:off x="3038094" y="1725743"/>
+            <a:off x="3111246" y="2402399"/>
             <a:ext cx="1640586" cy="617221"/>
           </a:xfrm>
           <a:prstGeom prst="line">
@@ -6749,7 +6749,7 @@
         </p:nvCxnSpPr>
         <p:spPr>
           <a:xfrm flipV="1">
-            <a:off x="3038094" y="4025462"/>
+            <a:off x="3111246" y="4702118"/>
             <a:ext cx="1640586" cy="617218"/>
           </a:xfrm>
           <a:prstGeom prst="line">
@@ -6779,7 +6779,7 @@
         </p:nvSpPr>
         <p:spPr>
           <a:xfrm>
-            <a:off x="6849618" y="4334071"/>
+            <a:off x="6922770" y="5010727"/>
             <a:ext cx="530352" cy="1403605"/>
           </a:xfrm>
           <a:prstGeom prst="rect">
@@ -6820,7 +6820,7 @@
         </p:nvSpPr>
         <p:spPr>
           <a:xfrm>
-            <a:off x="6849618" y="208416"/>
+            <a:off x="6922770" y="885072"/>
             <a:ext cx="530352" cy="2916937"/>
           </a:xfrm>
           <a:prstGeom prst="rect">
@@ -6861,7 +6861,7 @@
         </p:nvCxnSpPr>
         <p:spPr>
           <a:xfrm flipV="1">
-            <a:off x="5209032" y="208416"/>
+            <a:off x="5282184" y="885072"/>
             <a:ext cx="1640586" cy="2134547"/>
           </a:xfrm>
           <a:prstGeom prst="line">
@@ -6891,7 +6891,7 @@
         </p:nvCxnSpPr>
         <p:spPr>
           <a:xfrm flipV="1">
-            <a:off x="5209032" y="3125353"/>
+            <a:off x="5282184" y="3802009"/>
             <a:ext cx="1640586" cy="900108"/>
           </a:xfrm>
           <a:prstGeom prst="line">
@@ -6921,7 +6921,7 @@
         </p:nvCxnSpPr>
         <p:spPr>
           <a:xfrm>
-            <a:off x="5209032" y="2342963"/>
+            <a:off x="5282184" y="3019619"/>
             <a:ext cx="1640586" cy="1991108"/>
           </a:xfrm>
           <a:prstGeom prst="line">
@@ -6951,7 +6951,7 @@
         </p:nvCxnSpPr>
         <p:spPr>
           <a:xfrm>
-            <a:off x="5209032" y="4025461"/>
+            <a:off x="5282184" y="4702117"/>
             <a:ext cx="1640586" cy="1712215"/>
           </a:xfrm>
           <a:prstGeom prst="line">
@@ -6973,8 +6973,8 @@
           </a:fontRef>
         </p:style>
       </p:cxnSp>
-      <mc:AlternateContent xmlns:mc="http://schemas.openxmlformats.org/markup-compatibility/2006" xmlns:a14="http://schemas.microsoft.com/office/drawing/2010/main">
-        <mc:Choice Requires="a14">
+      <mc:AlternateContent xmlns:mc="http://schemas.openxmlformats.org/markup-compatibility/2006">
+        <mc:Choice xmlns:a14="http://schemas.microsoft.com/office/drawing/2010/main" Requires="a14">
           <p:sp>
             <p:nvSpPr>
               <p:cNvPr id="53" name="TextBox 52"/>
@@ -6983,8 +6983,8 @@
             </p:nvSpPr>
             <p:spPr>
               <a:xfrm>
-                <a:off x="7344537" y="1482218"/>
-                <a:ext cx="429768" cy="369332"/>
+                <a:off x="6246114" y="284074"/>
+                <a:ext cx="429768" cy="584775"/>
               </a:xfrm>
               <a:prstGeom prst="rect">
                 <a:avLst/>
@@ -7004,22 +7004,43 @@
                       <m:jc m:val="centerGroup"/>
                     </m:oMathParaPr>
                     <m:oMath xmlns:m="http://schemas.openxmlformats.org/officeDocument/2006/math">
-                      <m:r>
-                        <a:rPr lang="en-US" i="1" smtClean="0">
-                          <a:latin typeface="Cambria Math" panose="02040503050406030204" pitchFamily="18" charset="0"/>
-                          <a:ea typeface="Cambria Math" panose="02040503050406030204" pitchFamily="18" charset="0"/>
-                        </a:rPr>
-                        <m:t>ℒ</m:t>
-                      </m:r>
+                      <m:sSub>
+                        <m:sSubPr>
+                          <m:ctrlPr>
+                            <a:rPr lang="en-US" sz="3200" i="1" smtClean="0">
+                              <a:latin typeface="Cambria Math" panose="02040503050406030204" pitchFamily="18" charset="0"/>
+                              <a:ea typeface="Cambria Math" panose="02040503050406030204" pitchFamily="18" charset="0"/>
+                            </a:rPr>
+                          </m:ctrlPr>
+                        </m:sSubPr>
+                        <m:e>
+                          <m:r>
+                            <a:rPr lang="en-US" sz="3200" i="1">
+                              <a:latin typeface="Cambria Math" panose="02040503050406030204" pitchFamily="18" charset="0"/>
+                              <a:ea typeface="Cambria Math" panose="02040503050406030204" pitchFamily="18" charset="0"/>
+                            </a:rPr>
+                            <m:t>ℒ</m:t>
+                          </m:r>
+                        </m:e>
+                        <m:sub>
+                          <m:r>
+                            <a:rPr lang="en-US" sz="3200" b="0" i="1" smtClean="0">
+                              <a:latin typeface="Cambria Math" panose="02040503050406030204" pitchFamily="18" charset="0"/>
+                              <a:ea typeface="Cambria Math" panose="02040503050406030204" pitchFamily="18" charset="0"/>
+                            </a:rPr>
+                            <m:t>𝑟𝑒𝑐𝑜𝑛𝑠𝑡𝑟𝑢𝑐𝑡</m:t>
+                          </m:r>
+                        </m:sub>
+                      </m:sSub>
                     </m:oMath>
                   </m:oMathPara>
                 </a14:m>
-                <a:endParaRPr lang="en-US" dirty="0"/>
+                <a:endParaRPr lang="en-US" sz="3200" dirty="0"/>
               </a:p>
             </p:txBody>
           </p:sp>
         </mc:Choice>
-        <mc:Fallback xmlns="">
+        <mc:Fallback>
           <p:sp>
             <p:nvSpPr>
               <p:cNvPr id="53" name="TextBox 52"/>
@@ -7030,8 +7051,8 @@
             </p:nvSpPr>
             <p:spPr>
               <a:xfrm>
-                <a:off x="7344537" y="1482218"/>
-                <a:ext cx="429768" cy="369332"/>
+                <a:off x="6246114" y="284074"/>
+                <a:ext cx="429768" cy="584775"/>
               </a:xfrm>
               <a:prstGeom prst="rect">
                 <a:avLst/>
@@ -7039,7 +7060,7 @@
               <a:blipFill>
                 <a:blip r:embed="rId3"/>
                 <a:stretch>
-                  <a:fillRect/>
+                  <a:fillRect r="-387143"/>
                 </a:stretch>
               </a:blipFill>
             </p:spPr>
@@ -7058,8 +7079,8 @@
           </p:sp>
         </mc:Fallback>
       </mc:AlternateContent>
-      <mc:AlternateContent xmlns:mc="http://schemas.openxmlformats.org/markup-compatibility/2006" xmlns:a14="http://schemas.microsoft.com/office/drawing/2010/main">
-        <mc:Choice Requires="a14">
+      <mc:AlternateContent xmlns:mc="http://schemas.openxmlformats.org/markup-compatibility/2006">
+        <mc:Choice xmlns:a14="http://schemas.microsoft.com/office/drawing/2010/main" Requires="a14">
           <p:sp>
             <p:nvSpPr>
               <p:cNvPr id="54" name="TextBox 53"/>
@@ -7068,8 +7089,8 @@
             </p:nvSpPr>
             <p:spPr>
               <a:xfrm>
-                <a:off x="7344537" y="4851207"/>
-                <a:ext cx="429768" cy="369332"/>
+                <a:off x="9181338" y="3052990"/>
+                <a:ext cx="429768" cy="624210"/>
               </a:xfrm>
               <a:prstGeom prst="rect">
                 <a:avLst/>
@@ -7089,29 +7110,50 @@
                       <m:jc m:val="centerGroup"/>
                     </m:oMathParaPr>
                     <m:oMath xmlns:m="http://schemas.openxmlformats.org/officeDocument/2006/math">
-                      <m:r>
-                        <a:rPr lang="en-US" i="1" smtClean="0">
-                          <a:latin typeface="Cambria Math" panose="02040503050406030204" pitchFamily="18" charset="0"/>
-                          <a:ea typeface="Cambria Math" panose="02040503050406030204" pitchFamily="18" charset="0"/>
-                        </a:rPr>
-                        <m:t>ℒ</m:t>
-                      </m:r>
-                      <m:r>
-                        <a:rPr lang="en-US" b="0" i="1" smtClean="0">
-                          <a:latin typeface="Cambria Math" panose="02040503050406030204" pitchFamily="18" charset="0"/>
-                          <a:ea typeface="Cambria Math" panose="02040503050406030204" pitchFamily="18" charset="0"/>
-                        </a:rPr>
-                        <m:t>′</m:t>
-                      </m:r>
+                      <m:sSub>
+                        <m:sSubPr>
+                          <m:ctrlPr>
+                            <a:rPr lang="en-US" sz="3200" i="1" smtClean="0">
+                              <a:latin typeface="Cambria Math" panose="02040503050406030204" pitchFamily="18" charset="0"/>
+                              <a:ea typeface="Cambria Math" panose="02040503050406030204" pitchFamily="18" charset="0"/>
+                            </a:rPr>
+                          </m:ctrlPr>
+                        </m:sSubPr>
+                        <m:e>
+                          <m:r>
+                            <a:rPr lang="en-US" sz="3200" i="1">
+                              <a:latin typeface="Cambria Math" panose="02040503050406030204" pitchFamily="18" charset="0"/>
+                              <a:ea typeface="Cambria Math" panose="02040503050406030204" pitchFamily="18" charset="0"/>
+                            </a:rPr>
+                            <m:t>ℒ</m:t>
+                          </m:r>
+                          <m:r>
+                            <a:rPr lang="en-US" sz="3200" i="1">
+                              <a:latin typeface="Cambria Math" panose="02040503050406030204" pitchFamily="18" charset="0"/>
+                              <a:ea typeface="Cambria Math" panose="02040503050406030204" pitchFamily="18" charset="0"/>
+                            </a:rPr>
+                            <m:t>′</m:t>
+                          </m:r>
+                        </m:e>
+                        <m:sub>
+                          <m:r>
+                            <a:rPr lang="en-US" sz="3200" b="0" i="1" smtClean="0">
+                              <a:latin typeface="Cambria Math" panose="02040503050406030204" pitchFamily="18" charset="0"/>
+                              <a:ea typeface="Cambria Math" panose="02040503050406030204" pitchFamily="18" charset="0"/>
+                            </a:rPr>
+                            <m:t>𝑐𝑙𝑎𝑠𝑠𝑖𝑓𝑦</m:t>
+                          </m:r>
+                        </m:sub>
+                      </m:sSub>
                     </m:oMath>
                   </m:oMathPara>
                 </a14:m>
-                <a:endParaRPr lang="en-US" dirty="0"/>
+                <a:endParaRPr lang="en-US" sz="3200" dirty="0"/>
               </a:p>
             </p:txBody>
           </p:sp>
         </mc:Choice>
-        <mc:Fallback xmlns="">
+        <mc:Fallback>
           <p:sp>
             <p:nvSpPr>
               <p:cNvPr id="54" name="TextBox 53"/>
@@ -7122,8 +7164,8 @@
             </p:nvSpPr>
             <p:spPr>
               <a:xfrm>
-                <a:off x="7344537" y="4851207"/>
-                <a:ext cx="429768" cy="369332"/>
+                <a:off x="9181338" y="3052990"/>
+                <a:ext cx="429768" cy="624210"/>
               </a:xfrm>
               <a:prstGeom prst="rect">
                 <a:avLst/>
@@ -7131,7 +7173,7 @@
               <a:blipFill>
                 <a:blip r:embed="rId4"/>
                 <a:stretch>
-                  <a:fillRect/>
+                  <a:fillRect r="-278873"/>
                 </a:stretch>
               </a:blipFill>
             </p:spPr>
